--- a/Arduino/misc/DemoSchematics.pptx
+++ b/Arduino/misc/DemoSchematics.pptx
@@ -6,6 +6,7 @@
   </p:sldMasterIdLst>
   <p:sldIdLst>
     <p:sldId id="256" r:id="rId2"/>
+    <p:sldId id="257" r:id="rId3"/>
   </p:sldIdLst>
   <p:sldSz cx="12192000" cy="6858000"/>
   <p:notesSz cx="6858000" cy="9144000"/>
@@ -104,6 +105,11 @@
       </a:defRPr>
     </a:lvl9pPr>
   </p:defaultTextStyle>
+  <p:extLst>
+    <p:ext uri="{EFAFB233-063F-42B5-8137-9DF3F51BA10A}">
+      <p15:sldGuideLst xmlns:p15="http://schemas.microsoft.com/office/powerpoint/2012/main"/>
+    </p:ext>
+  </p:extLst>
 </p:presentation>
 </file>
 
@@ -256,7 +262,7 @@
           <a:p>
             <a:fld id="{F35A855E-5B2C-40EF-82FB-915453426F38}" type="datetimeFigureOut">
               <a:rPr lang="en-DE" smtClean="0"/>
-              <a:t>09/02/2023</a:t>
+              <a:t>14/02/2023</a:t>
             </a:fld>
             <a:endParaRPr lang="en-DE"/>
           </a:p>
@@ -456,7 +462,7 @@
           <a:p>
             <a:fld id="{F35A855E-5B2C-40EF-82FB-915453426F38}" type="datetimeFigureOut">
               <a:rPr lang="en-DE" smtClean="0"/>
-              <a:t>09/02/2023</a:t>
+              <a:t>14/02/2023</a:t>
             </a:fld>
             <a:endParaRPr lang="en-DE"/>
           </a:p>
@@ -666,7 +672,7 @@
           <a:p>
             <a:fld id="{F35A855E-5B2C-40EF-82FB-915453426F38}" type="datetimeFigureOut">
               <a:rPr lang="en-DE" smtClean="0"/>
-              <a:t>09/02/2023</a:t>
+              <a:t>14/02/2023</a:t>
             </a:fld>
             <a:endParaRPr lang="en-DE"/>
           </a:p>
@@ -866,7 +872,7 @@
           <a:p>
             <a:fld id="{F35A855E-5B2C-40EF-82FB-915453426F38}" type="datetimeFigureOut">
               <a:rPr lang="en-DE" smtClean="0"/>
-              <a:t>09/02/2023</a:t>
+              <a:t>14/02/2023</a:t>
             </a:fld>
             <a:endParaRPr lang="en-DE"/>
           </a:p>
@@ -1142,7 +1148,7 @@
           <a:p>
             <a:fld id="{F35A855E-5B2C-40EF-82FB-915453426F38}" type="datetimeFigureOut">
               <a:rPr lang="en-DE" smtClean="0"/>
-              <a:t>09/02/2023</a:t>
+              <a:t>14/02/2023</a:t>
             </a:fld>
             <a:endParaRPr lang="en-DE"/>
           </a:p>
@@ -1410,7 +1416,7 @@
           <a:p>
             <a:fld id="{F35A855E-5B2C-40EF-82FB-915453426F38}" type="datetimeFigureOut">
               <a:rPr lang="en-DE" smtClean="0"/>
-              <a:t>09/02/2023</a:t>
+              <a:t>14/02/2023</a:t>
             </a:fld>
             <a:endParaRPr lang="en-DE"/>
           </a:p>
@@ -1825,7 +1831,7 @@
           <a:p>
             <a:fld id="{F35A855E-5B2C-40EF-82FB-915453426F38}" type="datetimeFigureOut">
               <a:rPr lang="en-DE" smtClean="0"/>
-              <a:t>09/02/2023</a:t>
+              <a:t>14/02/2023</a:t>
             </a:fld>
             <a:endParaRPr lang="en-DE"/>
           </a:p>
@@ -1967,7 +1973,7 @@
           <a:p>
             <a:fld id="{F35A855E-5B2C-40EF-82FB-915453426F38}" type="datetimeFigureOut">
               <a:rPr lang="en-DE" smtClean="0"/>
-              <a:t>09/02/2023</a:t>
+              <a:t>14/02/2023</a:t>
             </a:fld>
             <a:endParaRPr lang="en-DE"/>
           </a:p>
@@ -2080,7 +2086,7 @@
           <a:p>
             <a:fld id="{F35A855E-5B2C-40EF-82FB-915453426F38}" type="datetimeFigureOut">
               <a:rPr lang="en-DE" smtClean="0"/>
-              <a:t>09/02/2023</a:t>
+              <a:t>14/02/2023</a:t>
             </a:fld>
             <a:endParaRPr lang="en-DE"/>
           </a:p>
@@ -2393,7 +2399,7 @@
           <a:p>
             <a:fld id="{F35A855E-5B2C-40EF-82FB-915453426F38}" type="datetimeFigureOut">
               <a:rPr lang="en-DE" smtClean="0"/>
-              <a:t>09/02/2023</a:t>
+              <a:t>14/02/2023</a:t>
             </a:fld>
             <a:endParaRPr lang="en-DE"/>
           </a:p>
@@ -2682,7 +2688,7 @@
           <a:p>
             <a:fld id="{F35A855E-5B2C-40EF-82FB-915453426F38}" type="datetimeFigureOut">
               <a:rPr lang="en-DE" smtClean="0"/>
-              <a:t>09/02/2023</a:t>
+              <a:t>14/02/2023</a:t>
             </a:fld>
             <a:endParaRPr lang="en-DE"/>
           </a:p>
@@ -2925,7 +2931,7 @@
           <a:p>
             <a:fld id="{F35A855E-5B2C-40EF-82FB-915453426F38}" type="datetimeFigureOut">
               <a:rPr lang="en-DE" smtClean="0"/>
-              <a:t>09/02/2023</a:t>
+              <a:t>14/02/2023</a:t>
             </a:fld>
             <a:endParaRPr lang="en-DE"/>
           </a:p>
@@ -7442,7 +7448,7 @@
         </p:nvCxnSpPr>
         <p:spPr>
           <a:xfrm>
-            <a:off x="9497617" y="1747935"/>
+            <a:off x="9469184" y="2409353"/>
             <a:ext cx="1297566" cy="0"/>
           </a:xfrm>
           <a:prstGeom prst="line">
@@ -7516,7 +7522,7 @@
         </p:nvCxnSpPr>
         <p:spPr>
           <a:xfrm>
-            <a:off x="9497617" y="1922106"/>
+            <a:off x="9469184" y="2583524"/>
             <a:ext cx="1297566" cy="0"/>
           </a:xfrm>
           <a:prstGeom prst="line">
@@ -7552,7 +7558,7 @@
         </p:nvSpPr>
         <p:spPr>
           <a:xfrm>
-            <a:off x="10722820" y="1747935"/>
+            <a:off x="10694387" y="2409353"/>
             <a:ext cx="190546" cy="174160"/>
           </a:xfrm>
           <a:prstGeom prst="ellipse">
@@ -7601,7 +7607,7 @@
         </p:nvCxnSpPr>
         <p:spPr>
           <a:xfrm flipV="1">
-            <a:off x="10772451" y="1769973"/>
+            <a:off x="10744018" y="2431391"/>
             <a:ext cx="67368" cy="148655"/>
           </a:xfrm>
           <a:prstGeom prst="line">
@@ -7640,7 +7646,7 @@
         </p:nvCxnSpPr>
         <p:spPr>
           <a:xfrm>
-            <a:off x="10750725" y="1773440"/>
+            <a:off x="10722292" y="2434858"/>
             <a:ext cx="134736" cy="123150"/>
           </a:xfrm>
           <a:prstGeom prst="line">
@@ -7676,7 +7682,7 @@
         </p:nvSpPr>
         <p:spPr>
           <a:xfrm>
-            <a:off x="10638059" y="1511819"/>
+            <a:off x="10870278" y="2361329"/>
             <a:ext cx="399468" cy="261610"/>
           </a:xfrm>
           <a:prstGeom prst="rect">
@@ -7898,6 +7904,486 @@
               <a:rPr lang="en-DE" sz="800" dirty="0"/>
               <a:t> reader</a:t>
             </a:r>
+          </a:p>
+        </p:txBody>
+      </p:sp>
+      <p:cxnSp>
+        <p:nvCxnSpPr>
+          <p:cNvPr id="3" name="Gerader Verbinder 2">
+            <a:extLst>
+              <a:ext uri="{FF2B5EF4-FFF2-40B4-BE49-F238E27FC236}">
+                <a16:creationId xmlns:a16="http://schemas.microsoft.com/office/drawing/2014/main" id="{94F73444-E9ED-4880-B6BD-26AE12B73A75}"/>
+              </a:ext>
+            </a:extLst>
+          </p:cNvPr>
+          <p:cNvCxnSpPr/>
+          <p:nvPr/>
+        </p:nvCxnSpPr>
+        <p:spPr>
+          <a:xfrm>
+            <a:off x="9438050" y="1747935"/>
+            <a:ext cx="1351610" cy="0"/>
+          </a:xfrm>
+          <a:prstGeom prst="line">
+            <a:avLst/>
+          </a:prstGeom>
+        </p:spPr>
+        <p:style>
+          <a:lnRef idx="1">
+            <a:schemeClr val="accent1"/>
+          </a:lnRef>
+          <a:fillRef idx="0">
+            <a:schemeClr val="accent1"/>
+          </a:fillRef>
+          <a:effectRef idx="0">
+            <a:schemeClr val="accent1"/>
+          </a:effectRef>
+          <a:fontRef idx="minor">
+            <a:schemeClr val="tx1"/>
+          </a:fontRef>
+        </p:style>
+      </p:cxnSp>
+      <p:cxnSp>
+        <p:nvCxnSpPr>
+          <p:cNvPr id="19" name="Gerader Verbinder 18">
+            <a:extLst>
+              <a:ext uri="{FF2B5EF4-FFF2-40B4-BE49-F238E27FC236}">
+                <a16:creationId xmlns:a16="http://schemas.microsoft.com/office/drawing/2014/main" id="{B8C1B364-1294-489E-B8EA-AF97F28E6FA5}"/>
+              </a:ext>
+            </a:extLst>
+          </p:cNvPr>
+          <p:cNvCxnSpPr/>
+          <p:nvPr/>
+        </p:nvCxnSpPr>
+        <p:spPr>
+          <a:xfrm flipV="1">
+            <a:off x="9438050" y="1904975"/>
+            <a:ext cx="1351610" cy="17131"/>
+          </a:xfrm>
+          <a:prstGeom prst="line">
+            <a:avLst/>
+          </a:prstGeom>
+        </p:spPr>
+        <p:style>
+          <a:lnRef idx="1">
+            <a:schemeClr val="accent1"/>
+          </a:lnRef>
+          <a:fillRef idx="0">
+            <a:schemeClr val="accent1"/>
+          </a:fillRef>
+          <a:effectRef idx="0">
+            <a:schemeClr val="accent1"/>
+          </a:effectRef>
+          <a:fontRef idx="minor">
+            <a:schemeClr val="tx1"/>
+          </a:fontRef>
+        </p:style>
+      </p:cxnSp>
+      <p:sp>
+        <p:nvSpPr>
+          <p:cNvPr id="124" name="Ellipse 123">
+            <a:extLst>
+              <a:ext uri="{FF2B5EF4-FFF2-40B4-BE49-F238E27FC236}">
+                <a16:creationId xmlns:a16="http://schemas.microsoft.com/office/drawing/2014/main" id="{744E2070-57C5-46A0-92DE-77B335BDD388}"/>
+              </a:ext>
+            </a:extLst>
+          </p:cNvPr>
+          <p:cNvSpPr/>
+          <p:nvPr/>
+        </p:nvSpPr>
+        <p:spPr>
+          <a:xfrm>
+            <a:off x="10706828" y="1747946"/>
+            <a:ext cx="190546" cy="174160"/>
+          </a:xfrm>
+          <a:prstGeom prst="ellipse">
+            <a:avLst/>
+          </a:prstGeom>
+          <a:noFill/>
+        </p:spPr>
+        <p:style>
+          <a:lnRef idx="2">
+            <a:schemeClr val="accent1">
+              <a:shade val="50000"/>
+            </a:schemeClr>
+          </a:lnRef>
+          <a:fillRef idx="1">
+            <a:schemeClr val="accent1"/>
+          </a:fillRef>
+          <a:effectRef idx="0">
+            <a:schemeClr val="accent1"/>
+          </a:effectRef>
+          <a:fontRef idx="minor">
+            <a:schemeClr val="lt1"/>
+          </a:fontRef>
+        </p:style>
+        <p:txBody>
+          <a:bodyPr rtlCol="0" anchor="ctr"/>
+          <a:lstStyle/>
+          <a:p>
+            <a:pPr algn="ctr"/>
+            <a:endParaRPr lang="en-DE"/>
+          </a:p>
+        </p:txBody>
+      </p:sp>
+      <p:cxnSp>
+        <p:nvCxnSpPr>
+          <p:cNvPr id="126" name="Gerader Verbinder 125">
+            <a:extLst>
+              <a:ext uri="{FF2B5EF4-FFF2-40B4-BE49-F238E27FC236}">
+                <a16:creationId xmlns:a16="http://schemas.microsoft.com/office/drawing/2014/main" id="{0358413C-B479-46E5-BDEF-CFECD24046A3}"/>
+              </a:ext>
+            </a:extLst>
+          </p:cNvPr>
+          <p:cNvCxnSpPr>
+            <a:cxnSpLocks/>
+          </p:cNvCxnSpPr>
+          <p:nvPr/>
+        </p:nvCxnSpPr>
+        <p:spPr>
+          <a:xfrm flipV="1">
+            <a:off x="10756459" y="1769984"/>
+            <a:ext cx="67368" cy="148655"/>
+          </a:xfrm>
+          <a:prstGeom prst="line">
+            <a:avLst/>
+          </a:prstGeom>
+        </p:spPr>
+        <p:style>
+          <a:lnRef idx="1">
+            <a:schemeClr val="accent1"/>
+          </a:lnRef>
+          <a:fillRef idx="0">
+            <a:schemeClr val="accent1"/>
+          </a:fillRef>
+          <a:effectRef idx="0">
+            <a:schemeClr val="accent1"/>
+          </a:effectRef>
+          <a:fontRef idx="minor">
+            <a:schemeClr val="tx1"/>
+          </a:fontRef>
+        </p:style>
+      </p:cxnSp>
+      <p:cxnSp>
+        <p:nvCxnSpPr>
+          <p:cNvPr id="128" name="Gerader Verbinder 127">
+            <a:extLst>
+              <a:ext uri="{FF2B5EF4-FFF2-40B4-BE49-F238E27FC236}">
+                <a16:creationId xmlns:a16="http://schemas.microsoft.com/office/drawing/2014/main" id="{BF7EF10F-6B7E-453F-B857-9BD49C8AACAF}"/>
+              </a:ext>
+            </a:extLst>
+          </p:cNvPr>
+          <p:cNvCxnSpPr>
+            <a:stCxn id="124" idx="1"/>
+            <a:endCxn id="124" idx="5"/>
+          </p:cNvCxnSpPr>
+          <p:nvPr/>
+        </p:nvCxnSpPr>
+        <p:spPr>
+          <a:xfrm>
+            <a:off x="10734733" y="1773451"/>
+            <a:ext cx="134736" cy="123150"/>
+          </a:xfrm>
+          <a:prstGeom prst="line">
+            <a:avLst/>
+          </a:prstGeom>
+        </p:spPr>
+        <p:style>
+          <a:lnRef idx="1">
+            <a:schemeClr val="accent1"/>
+          </a:lnRef>
+          <a:fillRef idx="0">
+            <a:schemeClr val="accent1"/>
+          </a:fillRef>
+          <a:effectRef idx="0">
+            <a:schemeClr val="accent1"/>
+          </a:effectRef>
+          <a:fontRef idx="minor">
+            <a:schemeClr val="tx1"/>
+          </a:fontRef>
+        </p:style>
+      </p:cxnSp>
+      <p:sp>
+        <p:nvSpPr>
+          <p:cNvPr id="130" name="Ellipse 129">
+            <a:extLst>
+              <a:ext uri="{FF2B5EF4-FFF2-40B4-BE49-F238E27FC236}">
+                <a16:creationId xmlns:a16="http://schemas.microsoft.com/office/drawing/2014/main" id="{9AE99791-3BDE-4988-A2E8-20A6B590252A}"/>
+              </a:ext>
+            </a:extLst>
+          </p:cNvPr>
+          <p:cNvSpPr/>
+          <p:nvPr/>
+        </p:nvSpPr>
+        <p:spPr>
+          <a:xfrm>
+            <a:off x="10896099" y="1758993"/>
+            <a:ext cx="190546" cy="174160"/>
+          </a:xfrm>
+          <a:prstGeom prst="ellipse">
+            <a:avLst/>
+          </a:prstGeom>
+          <a:noFill/>
+        </p:spPr>
+        <p:style>
+          <a:lnRef idx="2">
+            <a:schemeClr val="accent1">
+              <a:shade val="50000"/>
+            </a:schemeClr>
+          </a:lnRef>
+          <a:fillRef idx="1">
+            <a:schemeClr val="accent1"/>
+          </a:fillRef>
+          <a:effectRef idx="0">
+            <a:schemeClr val="accent1"/>
+          </a:effectRef>
+          <a:fontRef idx="minor">
+            <a:schemeClr val="lt1"/>
+          </a:fontRef>
+        </p:style>
+        <p:txBody>
+          <a:bodyPr rtlCol="0" anchor="ctr"/>
+          <a:lstStyle/>
+          <a:p>
+            <a:pPr algn="ctr"/>
+            <a:endParaRPr lang="en-DE"/>
+          </a:p>
+        </p:txBody>
+      </p:sp>
+      <p:cxnSp>
+        <p:nvCxnSpPr>
+          <p:cNvPr id="132" name="Gerader Verbinder 131">
+            <a:extLst>
+              <a:ext uri="{FF2B5EF4-FFF2-40B4-BE49-F238E27FC236}">
+                <a16:creationId xmlns:a16="http://schemas.microsoft.com/office/drawing/2014/main" id="{A34460A5-2C03-441A-82D8-3751D3524109}"/>
+              </a:ext>
+            </a:extLst>
+          </p:cNvPr>
+          <p:cNvCxnSpPr>
+            <a:cxnSpLocks/>
+          </p:cNvCxnSpPr>
+          <p:nvPr/>
+        </p:nvCxnSpPr>
+        <p:spPr>
+          <a:xfrm flipV="1">
+            <a:off x="10945730" y="1781031"/>
+            <a:ext cx="67368" cy="148655"/>
+          </a:xfrm>
+          <a:prstGeom prst="line">
+            <a:avLst/>
+          </a:prstGeom>
+        </p:spPr>
+        <p:style>
+          <a:lnRef idx="1">
+            <a:schemeClr val="accent1"/>
+          </a:lnRef>
+          <a:fillRef idx="0">
+            <a:schemeClr val="accent1"/>
+          </a:fillRef>
+          <a:effectRef idx="0">
+            <a:schemeClr val="accent1"/>
+          </a:effectRef>
+          <a:fontRef idx="minor">
+            <a:schemeClr val="tx1"/>
+          </a:fontRef>
+        </p:style>
+      </p:cxnSp>
+      <p:cxnSp>
+        <p:nvCxnSpPr>
+          <p:cNvPr id="134" name="Gerader Verbinder 133">
+            <a:extLst>
+              <a:ext uri="{FF2B5EF4-FFF2-40B4-BE49-F238E27FC236}">
+                <a16:creationId xmlns:a16="http://schemas.microsoft.com/office/drawing/2014/main" id="{ADF8B63F-6FB9-45B4-A3F5-614ED924D0F6}"/>
+              </a:ext>
+            </a:extLst>
+          </p:cNvPr>
+          <p:cNvCxnSpPr>
+            <a:stCxn id="130" idx="1"/>
+            <a:endCxn id="130" idx="5"/>
+          </p:cNvCxnSpPr>
+          <p:nvPr/>
+        </p:nvCxnSpPr>
+        <p:spPr>
+          <a:xfrm>
+            <a:off x="10924004" y="1784498"/>
+            <a:ext cx="134736" cy="123150"/>
+          </a:xfrm>
+          <a:prstGeom prst="line">
+            <a:avLst/>
+          </a:prstGeom>
+        </p:spPr>
+        <p:style>
+          <a:lnRef idx="1">
+            <a:schemeClr val="accent1"/>
+          </a:lnRef>
+          <a:fillRef idx="0">
+            <a:schemeClr val="accent1"/>
+          </a:fillRef>
+          <a:effectRef idx="0">
+            <a:schemeClr val="accent1"/>
+          </a:effectRef>
+          <a:fontRef idx="minor">
+            <a:schemeClr val="tx1"/>
+          </a:fontRef>
+        </p:style>
+      </p:cxnSp>
+      <p:sp>
+        <p:nvSpPr>
+          <p:cNvPr id="136" name="Ellipse 135">
+            <a:extLst>
+              <a:ext uri="{FF2B5EF4-FFF2-40B4-BE49-F238E27FC236}">
+                <a16:creationId xmlns:a16="http://schemas.microsoft.com/office/drawing/2014/main" id="{C53A5D2A-4274-49BD-ADD2-3CFC07D154BB}"/>
+              </a:ext>
+            </a:extLst>
+          </p:cNvPr>
+          <p:cNvSpPr/>
+          <p:nvPr/>
+        </p:nvSpPr>
+        <p:spPr>
+          <a:xfrm>
+            <a:off x="11083297" y="1758993"/>
+            <a:ext cx="190546" cy="174160"/>
+          </a:xfrm>
+          <a:prstGeom prst="ellipse">
+            <a:avLst/>
+          </a:prstGeom>
+          <a:noFill/>
+        </p:spPr>
+        <p:style>
+          <a:lnRef idx="2">
+            <a:schemeClr val="accent1">
+              <a:shade val="50000"/>
+            </a:schemeClr>
+          </a:lnRef>
+          <a:fillRef idx="1">
+            <a:schemeClr val="accent1"/>
+          </a:fillRef>
+          <a:effectRef idx="0">
+            <a:schemeClr val="accent1"/>
+          </a:effectRef>
+          <a:fontRef idx="minor">
+            <a:schemeClr val="lt1"/>
+          </a:fontRef>
+        </p:style>
+        <p:txBody>
+          <a:bodyPr rtlCol="0" anchor="ctr"/>
+          <a:lstStyle/>
+          <a:p>
+            <a:pPr algn="ctr"/>
+            <a:endParaRPr lang="en-DE"/>
+          </a:p>
+        </p:txBody>
+      </p:sp>
+      <p:cxnSp>
+        <p:nvCxnSpPr>
+          <p:cNvPr id="138" name="Gerader Verbinder 137">
+            <a:extLst>
+              <a:ext uri="{FF2B5EF4-FFF2-40B4-BE49-F238E27FC236}">
+                <a16:creationId xmlns:a16="http://schemas.microsoft.com/office/drawing/2014/main" id="{BA0CFCFB-3F72-464F-A08F-5A44115B7FE6}"/>
+              </a:ext>
+            </a:extLst>
+          </p:cNvPr>
+          <p:cNvCxnSpPr>
+            <a:cxnSpLocks/>
+          </p:cNvCxnSpPr>
+          <p:nvPr/>
+        </p:nvCxnSpPr>
+        <p:spPr>
+          <a:xfrm flipV="1">
+            <a:off x="11132928" y="1781031"/>
+            <a:ext cx="67368" cy="148655"/>
+          </a:xfrm>
+          <a:prstGeom prst="line">
+            <a:avLst/>
+          </a:prstGeom>
+        </p:spPr>
+        <p:style>
+          <a:lnRef idx="1">
+            <a:schemeClr val="accent1"/>
+          </a:lnRef>
+          <a:fillRef idx="0">
+            <a:schemeClr val="accent1"/>
+          </a:fillRef>
+          <a:effectRef idx="0">
+            <a:schemeClr val="accent1"/>
+          </a:effectRef>
+          <a:fontRef idx="minor">
+            <a:schemeClr val="tx1"/>
+          </a:fontRef>
+        </p:style>
+      </p:cxnSp>
+      <p:cxnSp>
+        <p:nvCxnSpPr>
+          <p:cNvPr id="139" name="Gerader Verbinder 138">
+            <a:extLst>
+              <a:ext uri="{FF2B5EF4-FFF2-40B4-BE49-F238E27FC236}">
+                <a16:creationId xmlns:a16="http://schemas.microsoft.com/office/drawing/2014/main" id="{9E3CA03B-4C84-4834-8841-CFB4CF1A16A5}"/>
+              </a:ext>
+            </a:extLst>
+          </p:cNvPr>
+          <p:cNvCxnSpPr>
+            <a:stCxn id="136" idx="1"/>
+            <a:endCxn id="136" idx="5"/>
+          </p:cNvCxnSpPr>
+          <p:nvPr/>
+        </p:nvCxnSpPr>
+        <p:spPr>
+          <a:xfrm>
+            <a:off x="11111202" y="1784498"/>
+            <a:ext cx="134736" cy="123150"/>
+          </a:xfrm>
+          <a:prstGeom prst="line">
+            <a:avLst/>
+          </a:prstGeom>
+        </p:spPr>
+        <p:style>
+          <a:lnRef idx="1">
+            <a:schemeClr val="accent1"/>
+          </a:lnRef>
+          <a:fillRef idx="0">
+            <a:schemeClr val="accent1"/>
+          </a:fillRef>
+          <a:effectRef idx="0">
+            <a:schemeClr val="accent1"/>
+          </a:effectRef>
+          <a:fontRef idx="minor">
+            <a:schemeClr val="tx1"/>
+          </a:fontRef>
+        </p:style>
+      </p:cxnSp>
+      <p:sp>
+        <p:nvSpPr>
+          <p:cNvPr id="140" name="Textfeld 139">
+            <a:extLst>
+              <a:ext uri="{FF2B5EF4-FFF2-40B4-BE49-F238E27FC236}">
+                <a16:creationId xmlns:a16="http://schemas.microsoft.com/office/drawing/2014/main" id="{5DB3C738-D75F-49D6-9846-EA5A3F6AD13B}"/>
+              </a:ext>
+            </a:extLst>
+          </p:cNvPr>
+          <p:cNvSpPr txBox="1"/>
+          <p:nvPr/>
+        </p:nvSpPr>
+        <p:spPr>
+          <a:xfrm>
+            <a:off x="10718190" y="1497698"/>
+            <a:ext cx="671979" cy="261610"/>
+          </a:xfrm>
+          <a:prstGeom prst="rect">
+            <a:avLst/>
+          </a:prstGeom>
+          <a:noFill/>
+        </p:spPr>
+        <p:txBody>
+          <a:bodyPr wrap="none" rtlCol="0">
+            <a:spAutoFit/>
+          </a:bodyPr>
+          <a:lstStyle/>
+          <a:p>
+            <a:r>
+              <a:rPr lang="en-DE" sz="1100" dirty="0" err="1"/>
+              <a:t>neopixel</a:t>
+            </a:r>
+            <a:endParaRPr lang="en-DE" sz="1100" dirty="0"/>
           </a:p>
         </p:txBody>
       </p:sp>
@@ -7905,6 +8391,4681 @@
     <p:extLst>
       <p:ext uri="{BB962C8B-B14F-4D97-AF65-F5344CB8AC3E}">
         <p14:creationId xmlns:p14="http://schemas.microsoft.com/office/powerpoint/2010/main" val="1579851240"/>
+      </p:ext>
+    </p:extLst>
+  </p:cSld>
+  <p:clrMapOvr>
+    <a:masterClrMapping/>
+  </p:clrMapOvr>
+</p:sld>
+</file>
+
+<file path=ppt/slides/slide2.xml><?xml version="1.0" encoding="utf-8"?>
+<p:sld xmlns:a="http://schemas.openxmlformats.org/drawingml/2006/main" xmlns:r="http://schemas.openxmlformats.org/officeDocument/2006/relationships" xmlns:p="http://schemas.openxmlformats.org/presentationml/2006/main">
+  <p:cSld>
+    <p:bg>
+      <p:bgPr>
+        <a:solidFill>
+          <a:schemeClr val="bg1">
+            <a:alpha val="99000"/>
+          </a:schemeClr>
+        </a:solidFill>
+        <a:effectLst/>
+      </p:bgPr>
+    </p:bg>
+    <p:spTree>
+      <p:nvGrpSpPr>
+        <p:cNvPr id="1" name=""/>
+        <p:cNvGrpSpPr/>
+        <p:nvPr/>
+      </p:nvGrpSpPr>
+      <p:grpSpPr>
+        <a:xfrm>
+          <a:off x="0" y="0"/>
+          <a:ext cx="0" cy="0"/>
+          <a:chOff x="0" y="0"/>
+          <a:chExt cx="0" cy="0"/>
+        </a:xfrm>
+      </p:grpSpPr>
+      <p:pic>
+        <p:nvPicPr>
+          <p:cNvPr id="4" name="Grafik 3">
+            <a:extLst>
+              <a:ext uri="{FF2B5EF4-FFF2-40B4-BE49-F238E27FC236}">
+                <a16:creationId xmlns:a16="http://schemas.microsoft.com/office/drawing/2014/main" id="{3389AD15-02E7-4E88-9BBD-C3ED241D5FF0}"/>
+              </a:ext>
+            </a:extLst>
+          </p:cNvPr>
+          <p:cNvPicPr>
+            <a:picLocks noChangeAspect="1"/>
+          </p:cNvPicPr>
+          <p:nvPr/>
+        </p:nvPicPr>
+        <p:blipFill>
+          <a:blip r:embed="rId2"/>
+          <a:stretch>
+            <a:fillRect/>
+          </a:stretch>
+        </p:blipFill>
+        <p:spPr>
+          <a:xfrm>
+            <a:off x="5051303" y="4444025"/>
+            <a:ext cx="2089393" cy="1772719"/>
+          </a:xfrm>
+          <a:prstGeom prst="rect">
+            <a:avLst/>
+          </a:prstGeom>
+        </p:spPr>
+      </p:pic>
+      <p:pic>
+        <p:nvPicPr>
+          <p:cNvPr id="5" name="Grafik 4">
+            <a:extLst>
+              <a:ext uri="{FF2B5EF4-FFF2-40B4-BE49-F238E27FC236}">
+                <a16:creationId xmlns:a16="http://schemas.microsoft.com/office/drawing/2014/main" id="{AA906CB5-EEA7-4086-A8EB-0BB8A12AC392}"/>
+              </a:ext>
+            </a:extLst>
+          </p:cNvPr>
+          <p:cNvPicPr>
+            <a:picLocks noChangeAspect="1"/>
+          </p:cNvPicPr>
+          <p:nvPr/>
+        </p:nvPicPr>
+        <p:blipFill>
+          <a:blip r:embed="rId3"/>
+          <a:stretch>
+            <a:fillRect/>
+          </a:stretch>
+        </p:blipFill>
+        <p:spPr>
+          <a:xfrm>
+            <a:off x="7322370" y="836274"/>
+            <a:ext cx="2175247" cy="3256384"/>
+          </a:xfrm>
+          <a:prstGeom prst="rect">
+            <a:avLst/>
+          </a:prstGeom>
+        </p:spPr>
+      </p:pic>
+      <p:pic>
+        <p:nvPicPr>
+          <p:cNvPr id="6" name="Grafik 5">
+            <a:extLst>
+              <a:ext uri="{FF2B5EF4-FFF2-40B4-BE49-F238E27FC236}">
+                <a16:creationId xmlns:a16="http://schemas.microsoft.com/office/drawing/2014/main" id="{F7076ECA-38B7-41CB-AADC-FFF67EA4D817}"/>
+              </a:ext>
+            </a:extLst>
+          </p:cNvPr>
+          <p:cNvPicPr>
+            <a:picLocks noChangeAspect="1"/>
+          </p:cNvPicPr>
+          <p:nvPr/>
+        </p:nvPicPr>
+        <p:blipFill>
+          <a:blip r:embed="rId4"/>
+          <a:stretch>
+            <a:fillRect/>
+          </a:stretch>
+        </p:blipFill>
+        <p:spPr>
+          <a:xfrm>
+            <a:off x="6706083" y="2307350"/>
+            <a:ext cx="616287" cy="482129"/>
+          </a:xfrm>
+          <a:prstGeom prst="rect">
+            <a:avLst/>
+          </a:prstGeom>
+        </p:spPr>
+      </p:pic>
+      <p:pic>
+        <p:nvPicPr>
+          <p:cNvPr id="7" name="Grafik 6">
+            <a:extLst>
+              <a:ext uri="{FF2B5EF4-FFF2-40B4-BE49-F238E27FC236}">
+                <a16:creationId xmlns:a16="http://schemas.microsoft.com/office/drawing/2014/main" id="{8CDADFB2-D406-4A45-92EE-5829A86512B9}"/>
+              </a:ext>
+            </a:extLst>
+          </p:cNvPr>
+          <p:cNvPicPr>
+            <a:picLocks noChangeAspect="1"/>
+          </p:cNvPicPr>
+          <p:nvPr/>
+        </p:nvPicPr>
+        <p:blipFill>
+          <a:blip r:embed="rId5"/>
+          <a:stretch>
+            <a:fillRect/>
+          </a:stretch>
+        </p:blipFill>
+        <p:spPr>
+          <a:xfrm rot="16200000">
+            <a:off x="707480" y="1310927"/>
+            <a:ext cx="1327315" cy="1262742"/>
+          </a:xfrm>
+          <a:prstGeom prst="rect">
+            <a:avLst/>
+          </a:prstGeom>
+        </p:spPr>
+      </p:pic>
+      <p:pic>
+        <p:nvPicPr>
+          <p:cNvPr id="8" name="Grafik 7">
+            <a:extLst>
+              <a:ext uri="{FF2B5EF4-FFF2-40B4-BE49-F238E27FC236}">
+                <a16:creationId xmlns:a16="http://schemas.microsoft.com/office/drawing/2014/main" id="{A049121C-0F08-4E3C-AA89-FDA2410C11FF}"/>
+              </a:ext>
+            </a:extLst>
+          </p:cNvPr>
+          <p:cNvPicPr>
+            <a:picLocks noChangeAspect="1"/>
+          </p:cNvPicPr>
+          <p:nvPr/>
+        </p:nvPicPr>
+        <p:blipFill>
+          <a:blip r:embed="rId5"/>
+          <a:stretch>
+            <a:fillRect/>
+          </a:stretch>
+        </p:blipFill>
+        <p:spPr>
+          <a:xfrm rot="16200000">
+            <a:off x="707480" y="2797629"/>
+            <a:ext cx="1327315" cy="1262742"/>
+          </a:xfrm>
+          <a:prstGeom prst="rect">
+            <a:avLst/>
+          </a:prstGeom>
+        </p:spPr>
+      </p:pic>
+      <p:pic>
+        <p:nvPicPr>
+          <p:cNvPr id="9" name="Grafik 8">
+            <a:extLst>
+              <a:ext uri="{FF2B5EF4-FFF2-40B4-BE49-F238E27FC236}">
+                <a16:creationId xmlns:a16="http://schemas.microsoft.com/office/drawing/2014/main" id="{23563BA7-A49D-4C70-BEBB-2F68FC8F8B4C}"/>
+              </a:ext>
+            </a:extLst>
+          </p:cNvPr>
+          <p:cNvPicPr>
+            <a:picLocks noChangeAspect="1"/>
+          </p:cNvPicPr>
+          <p:nvPr/>
+        </p:nvPicPr>
+        <p:blipFill>
+          <a:blip r:embed="rId5"/>
+          <a:stretch>
+            <a:fillRect/>
+          </a:stretch>
+        </p:blipFill>
+        <p:spPr>
+          <a:xfrm>
+            <a:off x="4615784" y="836274"/>
+            <a:ext cx="1327315" cy="1262742"/>
+          </a:xfrm>
+          <a:prstGeom prst="rect">
+            <a:avLst/>
+          </a:prstGeom>
+        </p:spPr>
+      </p:pic>
+      <p:pic>
+        <p:nvPicPr>
+          <p:cNvPr id="10" name="Grafik 9">
+            <a:extLst>
+              <a:ext uri="{FF2B5EF4-FFF2-40B4-BE49-F238E27FC236}">
+                <a16:creationId xmlns:a16="http://schemas.microsoft.com/office/drawing/2014/main" id="{5D41D9E7-4073-4E11-AD3D-2F7DE13C5578}"/>
+              </a:ext>
+            </a:extLst>
+          </p:cNvPr>
+          <p:cNvPicPr>
+            <a:picLocks noChangeAspect="1"/>
+          </p:cNvPicPr>
+          <p:nvPr/>
+        </p:nvPicPr>
+        <p:blipFill>
+          <a:blip r:embed="rId5"/>
+          <a:stretch>
+            <a:fillRect/>
+          </a:stretch>
+        </p:blipFill>
+        <p:spPr>
+          <a:xfrm rot="10800000">
+            <a:off x="7803138" y="4757060"/>
+            <a:ext cx="1327315" cy="1262742"/>
+          </a:xfrm>
+          <a:prstGeom prst="rect">
+            <a:avLst/>
+          </a:prstGeom>
+        </p:spPr>
+      </p:pic>
+      <p:sp>
+        <p:nvSpPr>
+          <p:cNvPr id="11" name="Textfeld 10">
+            <a:extLst>
+              <a:ext uri="{FF2B5EF4-FFF2-40B4-BE49-F238E27FC236}">
+                <a16:creationId xmlns:a16="http://schemas.microsoft.com/office/drawing/2014/main" id="{4A3AA375-12C4-4FCA-A49A-C8C6D67782BA}"/>
+              </a:ext>
+            </a:extLst>
+          </p:cNvPr>
+          <p:cNvSpPr txBox="1"/>
+          <p:nvPr/>
+        </p:nvSpPr>
+        <p:spPr>
+          <a:xfrm>
+            <a:off x="8034373" y="5388431"/>
+            <a:ext cx="288862" cy="246221"/>
+          </a:xfrm>
+          <a:prstGeom prst="rect">
+            <a:avLst/>
+          </a:prstGeom>
+          <a:noFill/>
+        </p:spPr>
+        <p:txBody>
+          <a:bodyPr wrap="none" rtlCol="0">
+            <a:spAutoFit/>
+          </a:bodyPr>
+          <a:lstStyle/>
+          <a:p>
+            <a:r>
+              <a:rPr lang="en-US" sz="1000" b="1" dirty="0">
+                <a:solidFill>
+                  <a:srgbClr val="FFC000"/>
+                </a:solidFill>
+              </a:rPr>
+              <a:t>r</a:t>
+            </a:r>
+            <a:r>
+              <a:rPr lang="en-DE" sz="1000" b="1" dirty="0">
+                <a:solidFill>
+                  <a:srgbClr val="FFC000"/>
+                </a:solidFill>
+              </a:rPr>
+              <a:t>x</a:t>
+            </a:r>
+          </a:p>
+        </p:txBody>
+      </p:sp>
+      <p:sp>
+        <p:nvSpPr>
+          <p:cNvPr id="12" name="Textfeld 11">
+            <a:extLst>
+              <a:ext uri="{FF2B5EF4-FFF2-40B4-BE49-F238E27FC236}">
+                <a16:creationId xmlns:a16="http://schemas.microsoft.com/office/drawing/2014/main" id="{5D63EFE8-8D15-476F-82B0-78C6728BCF69}"/>
+              </a:ext>
+            </a:extLst>
+          </p:cNvPr>
+          <p:cNvSpPr txBox="1"/>
+          <p:nvPr/>
+        </p:nvSpPr>
+        <p:spPr>
+          <a:xfrm>
+            <a:off x="8034373" y="5265320"/>
+            <a:ext cx="288862" cy="246221"/>
+          </a:xfrm>
+          <a:prstGeom prst="rect">
+            <a:avLst/>
+          </a:prstGeom>
+          <a:noFill/>
+        </p:spPr>
+        <p:txBody>
+          <a:bodyPr wrap="none" rtlCol="0">
+            <a:spAutoFit/>
+          </a:bodyPr>
+          <a:lstStyle/>
+          <a:p>
+            <a:r>
+              <a:rPr lang="en-DE" sz="1000" b="1" dirty="0" err="1">
+                <a:solidFill>
+                  <a:srgbClr val="FFC000"/>
+                </a:solidFill>
+              </a:rPr>
+              <a:t>tx</a:t>
+            </a:r>
+            <a:endParaRPr lang="en-DE" sz="1000" b="1" dirty="0">
+              <a:solidFill>
+                <a:srgbClr val="FFC000"/>
+              </a:solidFill>
+            </a:endParaRPr>
+          </a:p>
+        </p:txBody>
+      </p:sp>
+      <p:sp>
+        <p:nvSpPr>
+          <p:cNvPr id="13" name="Textfeld 12">
+            <a:extLst>
+              <a:ext uri="{FF2B5EF4-FFF2-40B4-BE49-F238E27FC236}">
+                <a16:creationId xmlns:a16="http://schemas.microsoft.com/office/drawing/2014/main" id="{06E099BD-4853-48C2-BB99-5DAA3DF6D73D}"/>
+              </a:ext>
+            </a:extLst>
+          </p:cNvPr>
+          <p:cNvSpPr txBox="1"/>
+          <p:nvPr/>
+        </p:nvSpPr>
+        <p:spPr>
+          <a:xfrm>
+            <a:off x="7766605" y="4561862"/>
+            <a:ext cx="1598515" cy="253916"/>
+          </a:xfrm>
+          <a:prstGeom prst="rect">
+            <a:avLst/>
+          </a:prstGeom>
+          <a:noFill/>
+        </p:spPr>
+        <p:txBody>
+          <a:bodyPr wrap="none" rtlCol="0">
+            <a:spAutoFit/>
+          </a:bodyPr>
+          <a:lstStyle/>
+          <a:p>
+            <a:r>
+              <a:rPr lang="en-US" sz="1050" dirty="0"/>
+              <a:t>H</a:t>
+            </a:r>
+            <a:r>
+              <a:rPr lang="en-DE" sz="1050" dirty="0"/>
+              <a:t>S</a:t>
+            </a:r>
+            <a:r>
+              <a:rPr lang="en-US" sz="1050" dirty="0"/>
+              <a:t>U</a:t>
+            </a:r>
+            <a:r>
+              <a:rPr lang="en-DE" sz="1050" dirty="0"/>
+              <a:t> </a:t>
+            </a:r>
+            <a:r>
+              <a:rPr lang="en-US" sz="1050" dirty="0"/>
+              <a:t>m</a:t>
+            </a:r>
+            <a:r>
+              <a:rPr lang="en-DE" sz="1050" dirty="0"/>
+              <a:t>o</a:t>
+            </a:r>
+            <a:r>
+              <a:rPr lang="en-US" sz="1050" dirty="0"/>
+              <a:t>d</a:t>
+            </a:r>
+            <a:r>
+              <a:rPr lang="en-DE" sz="1050" dirty="0"/>
+              <a:t>e (</a:t>
+            </a:r>
+            <a:r>
+              <a:rPr lang="en-US" sz="1050" dirty="0"/>
+              <a:t>T</a:t>
+            </a:r>
+            <a:r>
+              <a:rPr lang="en-DE" sz="1050" dirty="0"/>
+              <a:t>a</a:t>
+            </a:r>
+            <a:r>
+              <a:rPr lang="en-US" sz="1050" dirty="0"/>
+              <a:t>g</a:t>
+            </a:r>
+            <a:r>
+              <a:rPr lang="en-DE" sz="1050" dirty="0"/>
+              <a:t> </a:t>
+            </a:r>
+            <a:r>
+              <a:rPr lang="en-US" sz="1050" dirty="0"/>
+              <a:t>E</a:t>
+            </a:r>
+            <a:r>
+              <a:rPr lang="en-DE" sz="1050" dirty="0"/>
+              <a:t>m</a:t>
+            </a:r>
+            <a:r>
+              <a:rPr lang="en-US" sz="1050" dirty="0"/>
+              <a:t>u</a:t>
+            </a:r>
+            <a:r>
+              <a:rPr lang="en-DE" sz="1050" dirty="0"/>
+              <a:t>l</a:t>
+            </a:r>
+            <a:r>
+              <a:rPr lang="en-US" sz="1050" dirty="0"/>
+              <a:t>a</a:t>
+            </a:r>
+            <a:r>
+              <a:rPr lang="en-DE" sz="1050" dirty="0"/>
+              <a:t>t</a:t>
+            </a:r>
+            <a:r>
+              <a:rPr lang="en-US" sz="1050" dirty="0"/>
+              <a:t>o</a:t>
+            </a:r>
+            <a:r>
+              <a:rPr lang="en-DE" sz="1050" dirty="0"/>
+              <a:t>r)</a:t>
+            </a:r>
+          </a:p>
+        </p:txBody>
+      </p:sp>
+      <p:sp>
+        <p:nvSpPr>
+          <p:cNvPr id="14" name="Textfeld 13">
+            <a:extLst>
+              <a:ext uri="{FF2B5EF4-FFF2-40B4-BE49-F238E27FC236}">
+                <a16:creationId xmlns:a16="http://schemas.microsoft.com/office/drawing/2014/main" id="{ECD3D28E-652D-4EEF-A396-741886DA08BA}"/>
+              </a:ext>
+            </a:extLst>
+          </p:cNvPr>
+          <p:cNvSpPr txBox="1"/>
+          <p:nvPr/>
+        </p:nvSpPr>
+        <p:spPr>
+          <a:xfrm>
+            <a:off x="4952761" y="641256"/>
+            <a:ext cx="696024" cy="253916"/>
+          </a:xfrm>
+          <a:prstGeom prst="rect">
+            <a:avLst/>
+          </a:prstGeom>
+          <a:noFill/>
+        </p:spPr>
+        <p:txBody>
+          <a:bodyPr wrap="none" rtlCol="0">
+            <a:spAutoFit/>
+          </a:bodyPr>
+          <a:lstStyle/>
+          <a:p>
+            <a:r>
+              <a:rPr lang="en-US" sz="1050" dirty="0"/>
+              <a:t>S</a:t>
+            </a:r>
+            <a:r>
+              <a:rPr lang="en-DE" sz="1050" dirty="0"/>
+              <a:t>P</a:t>
+            </a:r>
+            <a:r>
+              <a:rPr lang="en-US" sz="1050" dirty="0"/>
+              <a:t>I</a:t>
+            </a:r>
+            <a:r>
+              <a:rPr lang="en-DE" sz="1050" dirty="0"/>
+              <a:t> </a:t>
+            </a:r>
+            <a:r>
+              <a:rPr lang="en-US" sz="1050" dirty="0"/>
+              <a:t>m</a:t>
+            </a:r>
+            <a:r>
+              <a:rPr lang="en-DE" sz="1050" dirty="0"/>
+              <a:t>o</a:t>
+            </a:r>
+            <a:r>
+              <a:rPr lang="en-US" sz="1050" dirty="0"/>
+              <a:t>d</a:t>
+            </a:r>
+            <a:r>
+              <a:rPr lang="en-DE" sz="1050" dirty="0"/>
+              <a:t>e</a:t>
+            </a:r>
+          </a:p>
+        </p:txBody>
+      </p:sp>
+      <p:sp>
+        <p:nvSpPr>
+          <p:cNvPr id="15" name="Textfeld 14">
+            <a:extLst>
+              <a:ext uri="{FF2B5EF4-FFF2-40B4-BE49-F238E27FC236}">
+                <a16:creationId xmlns:a16="http://schemas.microsoft.com/office/drawing/2014/main" id="{50177328-3A01-4910-BCCD-EBE39BB83153}"/>
+              </a:ext>
+            </a:extLst>
+          </p:cNvPr>
+          <p:cNvSpPr txBox="1"/>
+          <p:nvPr/>
+        </p:nvSpPr>
+        <p:spPr>
+          <a:xfrm>
+            <a:off x="1023125" y="1024724"/>
+            <a:ext cx="696024" cy="253916"/>
+          </a:xfrm>
+          <a:prstGeom prst="rect">
+            <a:avLst/>
+          </a:prstGeom>
+          <a:noFill/>
+        </p:spPr>
+        <p:txBody>
+          <a:bodyPr wrap="none" rtlCol="0">
+            <a:spAutoFit/>
+          </a:bodyPr>
+          <a:lstStyle/>
+          <a:p>
+            <a:r>
+              <a:rPr lang="en-US" sz="1050" dirty="0"/>
+              <a:t>S</a:t>
+            </a:r>
+            <a:r>
+              <a:rPr lang="en-DE" sz="1050" dirty="0"/>
+              <a:t>P</a:t>
+            </a:r>
+            <a:r>
+              <a:rPr lang="en-US" sz="1050" dirty="0"/>
+              <a:t>I</a:t>
+            </a:r>
+            <a:r>
+              <a:rPr lang="en-DE" sz="1050" dirty="0"/>
+              <a:t> </a:t>
+            </a:r>
+            <a:r>
+              <a:rPr lang="en-US" sz="1050" dirty="0"/>
+              <a:t>m</a:t>
+            </a:r>
+            <a:r>
+              <a:rPr lang="en-DE" sz="1050" dirty="0"/>
+              <a:t>o</a:t>
+            </a:r>
+            <a:r>
+              <a:rPr lang="en-US" sz="1050" dirty="0"/>
+              <a:t>d</a:t>
+            </a:r>
+            <a:r>
+              <a:rPr lang="en-DE" sz="1050" dirty="0"/>
+              <a:t>e</a:t>
+            </a:r>
+          </a:p>
+        </p:txBody>
+      </p:sp>
+      <p:sp>
+        <p:nvSpPr>
+          <p:cNvPr id="16" name="Textfeld 15">
+            <a:extLst>
+              <a:ext uri="{FF2B5EF4-FFF2-40B4-BE49-F238E27FC236}">
+                <a16:creationId xmlns:a16="http://schemas.microsoft.com/office/drawing/2014/main" id="{E7FB43B2-0E26-40FD-A96F-D04BA6CB665E}"/>
+              </a:ext>
+            </a:extLst>
+          </p:cNvPr>
+          <p:cNvSpPr txBox="1"/>
+          <p:nvPr/>
+        </p:nvSpPr>
+        <p:spPr>
+          <a:xfrm>
+            <a:off x="1023125" y="2584550"/>
+            <a:ext cx="696024" cy="253916"/>
+          </a:xfrm>
+          <a:prstGeom prst="rect">
+            <a:avLst/>
+          </a:prstGeom>
+          <a:noFill/>
+        </p:spPr>
+        <p:txBody>
+          <a:bodyPr wrap="none" rtlCol="0">
+            <a:spAutoFit/>
+          </a:bodyPr>
+          <a:lstStyle/>
+          <a:p>
+            <a:r>
+              <a:rPr lang="en-US" sz="1050" dirty="0"/>
+              <a:t>S</a:t>
+            </a:r>
+            <a:r>
+              <a:rPr lang="en-DE" sz="1050" dirty="0"/>
+              <a:t>P</a:t>
+            </a:r>
+            <a:r>
+              <a:rPr lang="en-US" sz="1050" dirty="0"/>
+              <a:t>I</a:t>
+            </a:r>
+            <a:r>
+              <a:rPr lang="en-DE" sz="1050" dirty="0"/>
+              <a:t> </a:t>
+            </a:r>
+            <a:r>
+              <a:rPr lang="en-US" sz="1050" dirty="0"/>
+              <a:t>m</a:t>
+            </a:r>
+            <a:r>
+              <a:rPr lang="en-DE" sz="1050" dirty="0"/>
+              <a:t>o</a:t>
+            </a:r>
+            <a:r>
+              <a:rPr lang="en-US" sz="1050" dirty="0"/>
+              <a:t>d</a:t>
+            </a:r>
+            <a:r>
+              <a:rPr lang="en-DE" sz="1050" dirty="0"/>
+              <a:t>e</a:t>
+            </a:r>
+          </a:p>
+        </p:txBody>
+      </p:sp>
+      <p:cxnSp>
+        <p:nvCxnSpPr>
+          <p:cNvPr id="18" name="Gerader Verbinder 17">
+            <a:extLst>
+              <a:ext uri="{FF2B5EF4-FFF2-40B4-BE49-F238E27FC236}">
+                <a16:creationId xmlns:a16="http://schemas.microsoft.com/office/drawing/2014/main" id="{BB90BCB7-23A9-4BE0-8C37-8A3DE4EAF1CA}"/>
+              </a:ext>
+            </a:extLst>
+          </p:cNvPr>
+          <p:cNvCxnSpPr/>
+          <p:nvPr/>
+        </p:nvCxnSpPr>
+        <p:spPr>
+          <a:xfrm>
+            <a:off x="1797698" y="1747935"/>
+            <a:ext cx="715347" cy="0"/>
+          </a:xfrm>
+          <a:prstGeom prst="line">
+            <a:avLst/>
+          </a:prstGeom>
+        </p:spPr>
+        <p:style>
+          <a:lnRef idx="1">
+            <a:schemeClr val="accent1"/>
+          </a:lnRef>
+          <a:fillRef idx="0">
+            <a:schemeClr val="accent1"/>
+          </a:fillRef>
+          <a:effectRef idx="0">
+            <a:schemeClr val="accent1"/>
+          </a:effectRef>
+          <a:fontRef idx="minor">
+            <a:schemeClr val="tx1"/>
+          </a:fontRef>
+        </p:style>
+      </p:cxnSp>
+      <p:cxnSp>
+        <p:nvCxnSpPr>
+          <p:cNvPr id="20" name="Gerader Verbinder 19">
+            <a:extLst>
+              <a:ext uri="{FF2B5EF4-FFF2-40B4-BE49-F238E27FC236}">
+                <a16:creationId xmlns:a16="http://schemas.microsoft.com/office/drawing/2014/main" id="{307BD59C-9D68-4425-8DDA-B4F3A7246400}"/>
+              </a:ext>
+            </a:extLst>
+          </p:cNvPr>
+          <p:cNvCxnSpPr/>
+          <p:nvPr/>
+        </p:nvCxnSpPr>
+        <p:spPr>
+          <a:xfrm flipH="1">
+            <a:off x="2525486" y="2765342"/>
+            <a:ext cx="4180597" cy="0"/>
+          </a:xfrm>
+          <a:prstGeom prst="line">
+            <a:avLst/>
+          </a:prstGeom>
+        </p:spPr>
+        <p:style>
+          <a:lnRef idx="1">
+            <a:schemeClr val="accent1"/>
+          </a:lnRef>
+          <a:fillRef idx="0">
+            <a:schemeClr val="accent1"/>
+          </a:fillRef>
+          <a:effectRef idx="0">
+            <a:schemeClr val="accent1"/>
+          </a:effectRef>
+          <a:fontRef idx="minor">
+            <a:schemeClr val="tx1"/>
+          </a:fontRef>
+        </p:style>
+      </p:cxnSp>
+      <p:cxnSp>
+        <p:nvCxnSpPr>
+          <p:cNvPr id="22" name="Gerader Verbinder 21">
+            <a:extLst>
+              <a:ext uri="{FF2B5EF4-FFF2-40B4-BE49-F238E27FC236}">
+                <a16:creationId xmlns:a16="http://schemas.microsoft.com/office/drawing/2014/main" id="{C20D7C4A-B723-44CC-A296-DFBC7F3544F6}"/>
+              </a:ext>
+            </a:extLst>
+          </p:cNvPr>
+          <p:cNvCxnSpPr/>
+          <p:nvPr/>
+        </p:nvCxnSpPr>
+        <p:spPr>
+          <a:xfrm>
+            <a:off x="2513045" y="1747935"/>
+            <a:ext cx="0" cy="1017407"/>
+          </a:xfrm>
+          <a:prstGeom prst="line">
+            <a:avLst/>
+          </a:prstGeom>
+        </p:spPr>
+        <p:style>
+          <a:lnRef idx="1">
+            <a:schemeClr val="accent1"/>
+          </a:lnRef>
+          <a:fillRef idx="0">
+            <a:schemeClr val="accent1"/>
+          </a:fillRef>
+          <a:effectRef idx="0">
+            <a:schemeClr val="accent1"/>
+          </a:effectRef>
+          <a:fontRef idx="minor">
+            <a:schemeClr val="tx1"/>
+          </a:fontRef>
+        </p:style>
+      </p:cxnSp>
+      <p:cxnSp>
+        <p:nvCxnSpPr>
+          <p:cNvPr id="24" name="Gerader Verbinder 23">
+            <a:extLst>
+              <a:ext uri="{FF2B5EF4-FFF2-40B4-BE49-F238E27FC236}">
+                <a16:creationId xmlns:a16="http://schemas.microsoft.com/office/drawing/2014/main" id="{5C5F7185-EDFD-4FA4-BC4B-55DFA0AEDA91}"/>
+              </a:ext>
+            </a:extLst>
+          </p:cNvPr>
+          <p:cNvCxnSpPr/>
+          <p:nvPr/>
+        </p:nvCxnSpPr>
+        <p:spPr>
+          <a:xfrm>
+            <a:off x="1797698" y="3240833"/>
+            <a:ext cx="715347" cy="0"/>
+          </a:xfrm>
+          <a:prstGeom prst="line">
+            <a:avLst/>
+          </a:prstGeom>
+        </p:spPr>
+        <p:style>
+          <a:lnRef idx="1">
+            <a:schemeClr val="accent1"/>
+          </a:lnRef>
+          <a:fillRef idx="0">
+            <a:schemeClr val="accent1"/>
+          </a:fillRef>
+          <a:effectRef idx="0">
+            <a:schemeClr val="accent1"/>
+          </a:effectRef>
+          <a:fontRef idx="minor">
+            <a:schemeClr val="tx1"/>
+          </a:fontRef>
+        </p:style>
+      </p:cxnSp>
+      <p:cxnSp>
+        <p:nvCxnSpPr>
+          <p:cNvPr id="26" name="Gerader Verbinder 25">
+            <a:extLst>
+              <a:ext uri="{FF2B5EF4-FFF2-40B4-BE49-F238E27FC236}">
+                <a16:creationId xmlns:a16="http://schemas.microsoft.com/office/drawing/2014/main" id="{E7AD6DB0-BC3B-4E7D-8338-2A5B87968C7B}"/>
+              </a:ext>
+            </a:extLst>
+          </p:cNvPr>
+          <p:cNvCxnSpPr/>
+          <p:nvPr/>
+        </p:nvCxnSpPr>
+        <p:spPr>
+          <a:xfrm>
+            <a:off x="2525486" y="2765342"/>
+            <a:ext cx="0" cy="463050"/>
+          </a:xfrm>
+          <a:prstGeom prst="line">
+            <a:avLst/>
+          </a:prstGeom>
+        </p:spPr>
+        <p:style>
+          <a:lnRef idx="1">
+            <a:schemeClr val="accent1"/>
+          </a:lnRef>
+          <a:fillRef idx="0">
+            <a:schemeClr val="accent1"/>
+          </a:fillRef>
+          <a:effectRef idx="0">
+            <a:schemeClr val="accent1"/>
+          </a:effectRef>
+          <a:fontRef idx="minor">
+            <a:schemeClr val="tx1"/>
+          </a:fontRef>
+        </p:style>
+      </p:cxnSp>
+      <p:cxnSp>
+        <p:nvCxnSpPr>
+          <p:cNvPr id="28" name="Gerader Verbinder 27">
+            <a:extLst>
+              <a:ext uri="{FF2B5EF4-FFF2-40B4-BE49-F238E27FC236}">
+                <a16:creationId xmlns:a16="http://schemas.microsoft.com/office/drawing/2014/main" id="{017C2D0E-EB1A-4074-B09B-07E954D92DCF}"/>
+              </a:ext>
+            </a:extLst>
+          </p:cNvPr>
+          <p:cNvCxnSpPr/>
+          <p:nvPr/>
+        </p:nvCxnSpPr>
+        <p:spPr>
+          <a:xfrm>
+            <a:off x="5467739" y="1904975"/>
+            <a:ext cx="0" cy="884504"/>
+          </a:xfrm>
+          <a:prstGeom prst="line">
+            <a:avLst/>
+          </a:prstGeom>
+        </p:spPr>
+        <p:style>
+          <a:lnRef idx="1">
+            <a:schemeClr val="accent1"/>
+          </a:lnRef>
+          <a:fillRef idx="0">
+            <a:schemeClr val="accent1"/>
+          </a:fillRef>
+          <a:effectRef idx="0">
+            <a:schemeClr val="accent1"/>
+          </a:effectRef>
+          <a:fontRef idx="minor">
+            <a:schemeClr val="tx1"/>
+          </a:fontRef>
+        </p:style>
+      </p:cxnSp>
+      <p:cxnSp>
+        <p:nvCxnSpPr>
+          <p:cNvPr id="30" name="Gerader Verbinder 29">
+            <a:extLst>
+              <a:ext uri="{FF2B5EF4-FFF2-40B4-BE49-F238E27FC236}">
+                <a16:creationId xmlns:a16="http://schemas.microsoft.com/office/drawing/2014/main" id="{2FD282CC-18D0-46D9-9EF9-42B50572DD69}"/>
+              </a:ext>
+            </a:extLst>
+          </p:cNvPr>
+          <p:cNvCxnSpPr>
+            <a:stCxn id="6" idx="1"/>
+          </p:cNvCxnSpPr>
+          <p:nvPr/>
+        </p:nvCxnSpPr>
+        <p:spPr>
+          <a:xfrm flipH="1" flipV="1">
+            <a:off x="2749420" y="2548414"/>
+            <a:ext cx="3956663" cy="1"/>
+          </a:xfrm>
+          <a:prstGeom prst="line">
+            <a:avLst/>
+          </a:prstGeom>
+        </p:spPr>
+        <p:style>
+          <a:lnRef idx="1">
+            <a:schemeClr val="accent1"/>
+          </a:lnRef>
+          <a:fillRef idx="0">
+            <a:schemeClr val="accent1"/>
+          </a:fillRef>
+          <a:effectRef idx="0">
+            <a:schemeClr val="accent1"/>
+          </a:effectRef>
+          <a:fontRef idx="minor">
+            <a:schemeClr val="tx1"/>
+          </a:fontRef>
+        </p:style>
+      </p:cxnSp>
+      <p:cxnSp>
+        <p:nvCxnSpPr>
+          <p:cNvPr id="32" name="Gerader Verbinder 31">
+            <a:extLst>
+              <a:ext uri="{FF2B5EF4-FFF2-40B4-BE49-F238E27FC236}">
+                <a16:creationId xmlns:a16="http://schemas.microsoft.com/office/drawing/2014/main" id="{C7D9D069-40CE-4A7C-84A7-02FD9F1DFD86}"/>
+              </a:ext>
+            </a:extLst>
+          </p:cNvPr>
+          <p:cNvCxnSpPr>
+            <a:cxnSpLocks/>
+          </p:cNvCxnSpPr>
+          <p:nvPr/>
+        </p:nvCxnSpPr>
+        <p:spPr>
+          <a:xfrm>
+            <a:off x="1797698" y="1844301"/>
+            <a:ext cx="951722" cy="0"/>
+          </a:xfrm>
+          <a:prstGeom prst="line">
+            <a:avLst/>
+          </a:prstGeom>
+        </p:spPr>
+        <p:style>
+          <a:lnRef idx="1">
+            <a:schemeClr val="accent1"/>
+          </a:lnRef>
+          <a:fillRef idx="0">
+            <a:schemeClr val="accent1"/>
+          </a:fillRef>
+          <a:effectRef idx="0">
+            <a:schemeClr val="accent1"/>
+          </a:effectRef>
+          <a:fontRef idx="minor">
+            <a:schemeClr val="tx1"/>
+          </a:fontRef>
+        </p:style>
+      </p:cxnSp>
+      <p:cxnSp>
+        <p:nvCxnSpPr>
+          <p:cNvPr id="34" name="Gerader Verbinder 33">
+            <a:extLst>
+              <a:ext uri="{FF2B5EF4-FFF2-40B4-BE49-F238E27FC236}">
+                <a16:creationId xmlns:a16="http://schemas.microsoft.com/office/drawing/2014/main" id="{DC5D8682-7739-442E-A6E7-795C4CE06265}"/>
+              </a:ext>
+            </a:extLst>
+          </p:cNvPr>
+          <p:cNvCxnSpPr>
+            <a:cxnSpLocks/>
+          </p:cNvCxnSpPr>
+          <p:nvPr/>
+        </p:nvCxnSpPr>
+        <p:spPr>
+          <a:xfrm>
+            <a:off x="2749420" y="1844301"/>
+            <a:ext cx="0" cy="704113"/>
+          </a:xfrm>
+          <a:prstGeom prst="line">
+            <a:avLst/>
+          </a:prstGeom>
+        </p:spPr>
+        <p:style>
+          <a:lnRef idx="1">
+            <a:schemeClr val="accent1"/>
+          </a:lnRef>
+          <a:fillRef idx="0">
+            <a:schemeClr val="accent1"/>
+          </a:fillRef>
+          <a:effectRef idx="0">
+            <a:schemeClr val="accent1"/>
+          </a:effectRef>
+          <a:fontRef idx="minor">
+            <a:schemeClr val="tx1"/>
+          </a:fontRef>
+        </p:style>
+      </p:cxnSp>
+      <p:cxnSp>
+        <p:nvCxnSpPr>
+          <p:cNvPr id="36" name="Gerader Verbinder 35">
+            <a:extLst>
+              <a:ext uri="{FF2B5EF4-FFF2-40B4-BE49-F238E27FC236}">
+                <a16:creationId xmlns:a16="http://schemas.microsoft.com/office/drawing/2014/main" id="{F67DC702-37CC-439B-A970-992A49A73C37}"/>
+              </a:ext>
+            </a:extLst>
+          </p:cNvPr>
+          <p:cNvCxnSpPr>
+            <a:cxnSpLocks/>
+          </p:cNvCxnSpPr>
+          <p:nvPr/>
+        </p:nvCxnSpPr>
+        <p:spPr>
+          <a:xfrm>
+            <a:off x="1795418" y="3318219"/>
+            <a:ext cx="954002" cy="0"/>
+          </a:xfrm>
+          <a:prstGeom prst="line">
+            <a:avLst/>
+          </a:prstGeom>
+        </p:spPr>
+        <p:style>
+          <a:lnRef idx="1">
+            <a:schemeClr val="accent1"/>
+          </a:lnRef>
+          <a:fillRef idx="0">
+            <a:schemeClr val="accent1"/>
+          </a:fillRef>
+          <a:effectRef idx="0">
+            <a:schemeClr val="accent1"/>
+          </a:effectRef>
+          <a:fontRef idx="minor">
+            <a:schemeClr val="tx1"/>
+          </a:fontRef>
+        </p:style>
+      </p:cxnSp>
+      <p:cxnSp>
+        <p:nvCxnSpPr>
+          <p:cNvPr id="38" name="Gerader Verbinder 37">
+            <a:extLst>
+              <a:ext uri="{FF2B5EF4-FFF2-40B4-BE49-F238E27FC236}">
+                <a16:creationId xmlns:a16="http://schemas.microsoft.com/office/drawing/2014/main" id="{0442C64C-8443-4400-B94D-67BCFEF83593}"/>
+              </a:ext>
+            </a:extLst>
+          </p:cNvPr>
+          <p:cNvCxnSpPr/>
+          <p:nvPr/>
+        </p:nvCxnSpPr>
+        <p:spPr>
+          <a:xfrm flipV="1">
+            <a:off x="2749420" y="2548414"/>
+            <a:ext cx="0" cy="748402"/>
+          </a:xfrm>
+          <a:prstGeom prst="line">
+            <a:avLst/>
+          </a:prstGeom>
+        </p:spPr>
+        <p:style>
+          <a:lnRef idx="1">
+            <a:schemeClr val="accent1"/>
+          </a:lnRef>
+          <a:fillRef idx="0">
+            <a:schemeClr val="accent1"/>
+          </a:fillRef>
+          <a:effectRef idx="0">
+            <a:schemeClr val="accent1"/>
+          </a:effectRef>
+          <a:fontRef idx="minor">
+            <a:schemeClr val="tx1"/>
+          </a:fontRef>
+        </p:style>
+      </p:cxnSp>
+      <p:cxnSp>
+        <p:nvCxnSpPr>
+          <p:cNvPr id="40" name="Gerader Verbinder 39">
+            <a:extLst>
+              <a:ext uri="{FF2B5EF4-FFF2-40B4-BE49-F238E27FC236}">
+                <a16:creationId xmlns:a16="http://schemas.microsoft.com/office/drawing/2014/main" id="{AC5E8959-B731-43AF-9205-B352E57AD8A1}"/>
+              </a:ext>
+            </a:extLst>
+          </p:cNvPr>
+          <p:cNvCxnSpPr/>
+          <p:nvPr/>
+        </p:nvCxnSpPr>
+        <p:spPr>
+          <a:xfrm>
+            <a:off x="5393094" y="1904975"/>
+            <a:ext cx="0" cy="643439"/>
+          </a:xfrm>
+          <a:prstGeom prst="line">
+            <a:avLst/>
+          </a:prstGeom>
+        </p:spPr>
+        <p:style>
+          <a:lnRef idx="1">
+            <a:schemeClr val="accent1"/>
+          </a:lnRef>
+          <a:fillRef idx="0">
+            <a:schemeClr val="accent1"/>
+          </a:fillRef>
+          <a:effectRef idx="0">
+            <a:schemeClr val="accent1"/>
+          </a:effectRef>
+          <a:fontRef idx="minor">
+            <a:schemeClr val="tx1"/>
+          </a:fontRef>
+        </p:style>
+      </p:cxnSp>
+      <p:cxnSp>
+        <p:nvCxnSpPr>
+          <p:cNvPr id="42" name="Gerader Verbinder 41">
+            <a:extLst>
+              <a:ext uri="{FF2B5EF4-FFF2-40B4-BE49-F238E27FC236}">
+                <a16:creationId xmlns:a16="http://schemas.microsoft.com/office/drawing/2014/main" id="{D5EEB963-3EC6-4255-B57C-BDE4CFBFCF42}"/>
+              </a:ext>
+            </a:extLst>
+          </p:cNvPr>
+          <p:cNvCxnSpPr/>
+          <p:nvPr/>
+        </p:nvCxnSpPr>
+        <p:spPr>
+          <a:xfrm flipH="1">
+            <a:off x="2960914" y="2347227"/>
+            <a:ext cx="3745169" cy="0"/>
+          </a:xfrm>
+          <a:prstGeom prst="line">
+            <a:avLst/>
+          </a:prstGeom>
+        </p:spPr>
+        <p:style>
+          <a:lnRef idx="1">
+            <a:schemeClr val="accent1"/>
+          </a:lnRef>
+          <a:fillRef idx="0">
+            <a:schemeClr val="accent1"/>
+          </a:fillRef>
+          <a:effectRef idx="0">
+            <a:schemeClr val="accent1"/>
+          </a:effectRef>
+          <a:fontRef idx="minor">
+            <a:schemeClr val="tx1"/>
+          </a:fontRef>
+        </p:style>
+      </p:cxnSp>
+      <p:cxnSp>
+        <p:nvCxnSpPr>
+          <p:cNvPr id="44" name="Gerader Verbinder 43">
+            <a:extLst>
+              <a:ext uri="{FF2B5EF4-FFF2-40B4-BE49-F238E27FC236}">
+                <a16:creationId xmlns:a16="http://schemas.microsoft.com/office/drawing/2014/main" id="{3138DA8E-F4EA-4AB2-A1CB-F76600D050DD}"/>
+              </a:ext>
+            </a:extLst>
+          </p:cNvPr>
+          <p:cNvCxnSpPr/>
+          <p:nvPr/>
+        </p:nvCxnSpPr>
+        <p:spPr>
+          <a:xfrm>
+            <a:off x="1795418" y="1904975"/>
+            <a:ext cx="1159276" cy="0"/>
+          </a:xfrm>
+          <a:prstGeom prst="line">
+            <a:avLst/>
+          </a:prstGeom>
+        </p:spPr>
+        <p:style>
+          <a:lnRef idx="1">
+            <a:schemeClr val="accent1"/>
+          </a:lnRef>
+          <a:fillRef idx="0">
+            <a:schemeClr val="accent1"/>
+          </a:fillRef>
+          <a:effectRef idx="0">
+            <a:schemeClr val="accent1"/>
+          </a:effectRef>
+          <a:fontRef idx="minor">
+            <a:schemeClr val="tx1"/>
+          </a:fontRef>
+        </p:style>
+      </p:cxnSp>
+      <p:cxnSp>
+        <p:nvCxnSpPr>
+          <p:cNvPr id="46" name="Gerader Verbinder 45">
+            <a:extLst>
+              <a:ext uri="{FF2B5EF4-FFF2-40B4-BE49-F238E27FC236}">
+                <a16:creationId xmlns:a16="http://schemas.microsoft.com/office/drawing/2014/main" id="{3C132681-3483-4DBD-8C96-15469400DF25}"/>
+              </a:ext>
+            </a:extLst>
+          </p:cNvPr>
+          <p:cNvCxnSpPr/>
+          <p:nvPr/>
+        </p:nvCxnSpPr>
+        <p:spPr>
+          <a:xfrm flipV="1">
+            <a:off x="2960914" y="1904975"/>
+            <a:ext cx="0" cy="442252"/>
+          </a:xfrm>
+          <a:prstGeom prst="line">
+            <a:avLst/>
+          </a:prstGeom>
+        </p:spPr>
+        <p:style>
+          <a:lnRef idx="1">
+            <a:schemeClr val="accent1"/>
+          </a:lnRef>
+          <a:fillRef idx="0">
+            <a:schemeClr val="accent1"/>
+          </a:fillRef>
+          <a:effectRef idx="0">
+            <a:schemeClr val="accent1"/>
+          </a:effectRef>
+          <a:fontRef idx="minor">
+            <a:schemeClr val="tx1"/>
+          </a:fontRef>
+        </p:style>
+      </p:cxnSp>
+      <p:cxnSp>
+        <p:nvCxnSpPr>
+          <p:cNvPr id="50" name="Gerader Verbinder 49">
+            <a:extLst>
+              <a:ext uri="{FF2B5EF4-FFF2-40B4-BE49-F238E27FC236}">
+                <a16:creationId xmlns:a16="http://schemas.microsoft.com/office/drawing/2014/main" id="{93849478-1B8D-4384-8CE5-938961543C68}"/>
+              </a:ext>
+            </a:extLst>
+          </p:cNvPr>
+          <p:cNvCxnSpPr>
+            <a:cxnSpLocks/>
+          </p:cNvCxnSpPr>
+          <p:nvPr/>
+        </p:nvCxnSpPr>
+        <p:spPr>
+          <a:xfrm>
+            <a:off x="1795418" y="3410340"/>
+            <a:ext cx="1159276" cy="0"/>
+          </a:xfrm>
+          <a:prstGeom prst="line">
+            <a:avLst/>
+          </a:prstGeom>
+        </p:spPr>
+        <p:style>
+          <a:lnRef idx="1">
+            <a:schemeClr val="accent1"/>
+          </a:lnRef>
+          <a:fillRef idx="0">
+            <a:schemeClr val="accent1"/>
+          </a:fillRef>
+          <a:effectRef idx="0">
+            <a:schemeClr val="accent1"/>
+          </a:effectRef>
+          <a:fontRef idx="minor">
+            <a:schemeClr val="tx1"/>
+          </a:fontRef>
+        </p:style>
+      </p:cxnSp>
+      <p:cxnSp>
+        <p:nvCxnSpPr>
+          <p:cNvPr id="53" name="Gerader Verbinder 52">
+            <a:extLst>
+              <a:ext uri="{FF2B5EF4-FFF2-40B4-BE49-F238E27FC236}">
+                <a16:creationId xmlns:a16="http://schemas.microsoft.com/office/drawing/2014/main" id="{B49A1218-0962-43B6-962A-2B4D8A931D05}"/>
+              </a:ext>
+            </a:extLst>
+          </p:cNvPr>
+          <p:cNvCxnSpPr/>
+          <p:nvPr/>
+        </p:nvCxnSpPr>
+        <p:spPr>
+          <a:xfrm>
+            <a:off x="2954694" y="2347227"/>
+            <a:ext cx="0" cy="1081773"/>
+          </a:xfrm>
+          <a:prstGeom prst="line">
+            <a:avLst/>
+          </a:prstGeom>
+        </p:spPr>
+        <p:style>
+          <a:lnRef idx="1">
+            <a:schemeClr val="accent1"/>
+          </a:lnRef>
+          <a:fillRef idx="0">
+            <a:schemeClr val="accent1"/>
+          </a:fillRef>
+          <a:effectRef idx="0">
+            <a:schemeClr val="accent1"/>
+          </a:effectRef>
+          <a:fontRef idx="minor">
+            <a:schemeClr val="tx1"/>
+          </a:fontRef>
+        </p:style>
+      </p:cxnSp>
+      <p:cxnSp>
+        <p:nvCxnSpPr>
+          <p:cNvPr id="56" name="Gerader Verbinder 55">
+            <a:extLst>
+              <a:ext uri="{FF2B5EF4-FFF2-40B4-BE49-F238E27FC236}">
+                <a16:creationId xmlns:a16="http://schemas.microsoft.com/office/drawing/2014/main" id="{6271546F-9991-4998-9B46-D49957510430}"/>
+              </a:ext>
+            </a:extLst>
+          </p:cNvPr>
+          <p:cNvCxnSpPr/>
+          <p:nvPr/>
+        </p:nvCxnSpPr>
+        <p:spPr>
+          <a:xfrm>
+            <a:off x="5300773" y="1904975"/>
+            <a:ext cx="0" cy="442252"/>
+          </a:xfrm>
+          <a:prstGeom prst="line">
+            <a:avLst/>
+          </a:prstGeom>
+        </p:spPr>
+        <p:style>
+          <a:lnRef idx="1">
+            <a:schemeClr val="accent1"/>
+          </a:lnRef>
+          <a:fillRef idx="0">
+            <a:schemeClr val="accent1"/>
+          </a:fillRef>
+          <a:effectRef idx="0">
+            <a:schemeClr val="accent1"/>
+          </a:effectRef>
+          <a:fontRef idx="minor">
+            <a:schemeClr val="tx1"/>
+          </a:fontRef>
+        </p:style>
+      </p:cxnSp>
+      <p:cxnSp>
+        <p:nvCxnSpPr>
+          <p:cNvPr id="58" name="Gerader Verbinder 57">
+            <a:extLst>
+              <a:ext uri="{FF2B5EF4-FFF2-40B4-BE49-F238E27FC236}">
+                <a16:creationId xmlns:a16="http://schemas.microsoft.com/office/drawing/2014/main" id="{442ED4D9-E065-47E2-A959-ADF4B22DCD0F}"/>
+              </a:ext>
+            </a:extLst>
+          </p:cNvPr>
+          <p:cNvCxnSpPr/>
+          <p:nvPr/>
+        </p:nvCxnSpPr>
+        <p:spPr>
+          <a:xfrm>
+            <a:off x="5231363" y="1904975"/>
+            <a:ext cx="0" cy="291382"/>
+          </a:xfrm>
+          <a:prstGeom prst="line">
+            <a:avLst/>
+          </a:prstGeom>
+        </p:spPr>
+        <p:style>
+          <a:lnRef idx="1">
+            <a:schemeClr val="accent1"/>
+          </a:lnRef>
+          <a:fillRef idx="0">
+            <a:schemeClr val="accent1"/>
+          </a:fillRef>
+          <a:effectRef idx="0">
+            <a:schemeClr val="accent1"/>
+          </a:effectRef>
+          <a:fontRef idx="minor">
+            <a:schemeClr val="tx1"/>
+          </a:fontRef>
+        </p:style>
+      </p:cxnSp>
+      <p:cxnSp>
+        <p:nvCxnSpPr>
+          <p:cNvPr id="60" name="Gerader Verbinder 59">
+            <a:extLst>
+              <a:ext uri="{FF2B5EF4-FFF2-40B4-BE49-F238E27FC236}">
+                <a16:creationId xmlns:a16="http://schemas.microsoft.com/office/drawing/2014/main" id="{D9A42CE9-FD56-4EB2-AF36-A73C790E7D5E}"/>
+              </a:ext>
+            </a:extLst>
+          </p:cNvPr>
+          <p:cNvCxnSpPr/>
+          <p:nvPr/>
+        </p:nvCxnSpPr>
+        <p:spPr>
+          <a:xfrm>
+            <a:off x="5231363" y="2196357"/>
+            <a:ext cx="1094792" cy="0"/>
+          </a:xfrm>
+          <a:prstGeom prst="line">
+            <a:avLst/>
+          </a:prstGeom>
+        </p:spPr>
+        <p:style>
+          <a:lnRef idx="1">
+            <a:schemeClr val="accent1"/>
+          </a:lnRef>
+          <a:fillRef idx="0">
+            <a:schemeClr val="accent1"/>
+          </a:fillRef>
+          <a:effectRef idx="0">
+            <a:schemeClr val="accent1"/>
+          </a:effectRef>
+          <a:fontRef idx="minor">
+            <a:schemeClr val="tx1"/>
+          </a:fontRef>
+        </p:style>
+      </p:cxnSp>
+      <p:cxnSp>
+        <p:nvCxnSpPr>
+          <p:cNvPr id="62" name="Gerader Verbinder 61">
+            <a:extLst>
+              <a:ext uri="{FF2B5EF4-FFF2-40B4-BE49-F238E27FC236}">
+                <a16:creationId xmlns:a16="http://schemas.microsoft.com/office/drawing/2014/main" id="{FA0D0422-CE09-40E7-BED1-BCC887006358}"/>
+              </a:ext>
+            </a:extLst>
+          </p:cNvPr>
+          <p:cNvCxnSpPr>
+            <a:cxnSpLocks/>
+          </p:cNvCxnSpPr>
+          <p:nvPr/>
+        </p:nvCxnSpPr>
+        <p:spPr>
+          <a:xfrm flipV="1">
+            <a:off x="6319935" y="1417882"/>
+            <a:ext cx="0" cy="778475"/>
+          </a:xfrm>
+          <a:prstGeom prst="line">
+            <a:avLst/>
+          </a:prstGeom>
+        </p:spPr>
+        <p:style>
+          <a:lnRef idx="1">
+            <a:schemeClr val="accent1"/>
+          </a:lnRef>
+          <a:fillRef idx="0">
+            <a:schemeClr val="accent1"/>
+          </a:fillRef>
+          <a:effectRef idx="0">
+            <a:schemeClr val="accent1"/>
+          </a:effectRef>
+          <a:fontRef idx="minor">
+            <a:schemeClr val="tx1"/>
+          </a:fontRef>
+        </p:style>
+      </p:cxnSp>
+      <p:cxnSp>
+        <p:nvCxnSpPr>
+          <p:cNvPr id="64" name="Gerader Verbinder 63">
+            <a:extLst>
+              <a:ext uri="{FF2B5EF4-FFF2-40B4-BE49-F238E27FC236}">
+                <a16:creationId xmlns:a16="http://schemas.microsoft.com/office/drawing/2014/main" id="{55CE9DFC-0DBF-43AE-A267-2DC6CAAEC89E}"/>
+              </a:ext>
+            </a:extLst>
+          </p:cNvPr>
+          <p:cNvCxnSpPr>
+            <a:cxnSpLocks/>
+          </p:cNvCxnSpPr>
+          <p:nvPr/>
+        </p:nvCxnSpPr>
+        <p:spPr>
+          <a:xfrm>
+            <a:off x="6319935" y="1417882"/>
+            <a:ext cx="1057469" cy="0"/>
+          </a:xfrm>
+          <a:prstGeom prst="line">
+            <a:avLst/>
+          </a:prstGeom>
+        </p:spPr>
+        <p:style>
+          <a:lnRef idx="1">
+            <a:schemeClr val="accent1"/>
+          </a:lnRef>
+          <a:fillRef idx="0">
+            <a:schemeClr val="accent1"/>
+          </a:fillRef>
+          <a:effectRef idx="0">
+            <a:schemeClr val="accent1"/>
+          </a:effectRef>
+          <a:fontRef idx="minor">
+            <a:schemeClr val="tx1"/>
+          </a:fontRef>
+        </p:style>
+      </p:cxnSp>
+      <p:cxnSp>
+        <p:nvCxnSpPr>
+          <p:cNvPr id="68" name="Gerader Verbinder 67">
+            <a:extLst>
+              <a:ext uri="{FF2B5EF4-FFF2-40B4-BE49-F238E27FC236}">
+                <a16:creationId xmlns:a16="http://schemas.microsoft.com/office/drawing/2014/main" id="{7A0AEB93-6F98-4F73-8CA3-C4C4E83A620C}"/>
+              </a:ext>
+            </a:extLst>
+          </p:cNvPr>
+          <p:cNvCxnSpPr/>
+          <p:nvPr/>
+        </p:nvCxnSpPr>
+        <p:spPr>
+          <a:xfrm>
+            <a:off x="1795418" y="1973398"/>
+            <a:ext cx="579638" cy="0"/>
+          </a:xfrm>
+          <a:prstGeom prst="line">
+            <a:avLst/>
+          </a:prstGeom>
+        </p:spPr>
+        <p:style>
+          <a:lnRef idx="1">
+            <a:schemeClr val="accent1"/>
+          </a:lnRef>
+          <a:fillRef idx="0">
+            <a:schemeClr val="accent1"/>
+          </a:fillRef>
+          <a:effectRef idx="0">
+            <a:schemeClr val="accent1"/>
+          </a:effectRef>
+          <a:fontRef idx="minor">
+            <a:schemeClr val="tx1"/>
+          </a:fontRef>
+        </p:style>
+      </p:cxnSp>
+      <p:cxnSp>
+        <p:nvCxnSpPr>
+          <p:cNvPr id="70" name="Gerader Verbinder 69">
+            <a:extLst>
+              <a:ext uri="{FF2B5EF4-FFF2-40B4-BE49-F238E27FC236}">
+                <a16:creationId xmlns:a16="http://schemas.microsoft.com/office/drawing/2014/main" id="{FAC93428-5CCF-47E2-9C37-7A0780329E65}"/>
+              </a:ext>
+            </a:extLst>
+          </p:cNvPr>
+          <p:cNvCxnSpPr/>
+          <p:nvPr/>
+        </p:nvCxnSpPr>
+        <p:spPr>
+          <a:xfrm>
+            <a:off x="9497617" y="2050666"/>
+            <a:ext cx="703852" cy="0"/>
+          </a:xfrm>
+          <a:prstGeom prst="line">
+            <a:avLst/>
+          </a:prstGeom>
+        </p:spPr>
+        <p:style>
+          <a:lnRef idx="1">
+            <a:schemeClr val="accent1"/>
+          </a:lnRef>
+          <a:fillRef idx="0">
+            <a:schemeClr val="accent1"/>
+          </a:fillRef>
+          <a:effectRef idx="0">
+            <a:schemeClr val="accent1"/>
+          </a:effectRef>
+          <a:fontRef idx="minor">
+            <a:schemeClr val="tx1"/>
+          </a:fontRef>
+        </p:style>
+      </p:cxnSp>
+      <p:cxnSp>
+        <p:nvCxnSpPr>
+          <p:cNvPr id="72" name="Gerader Verbinder 71">
+            <a:extLst>
+              <a:ext uri="{FF2B5EF4-FFF2-40B4-BE49-F238E27FC236}">
+                <a16:creationId xmlns:a16="http://schemas.microsoft.com/office/drawing/2014/main" id="{3AB62EA2-64DE-41A6-BFE2-60E25A23636F}"/>
+              </a:ext>
+            </a:extLst>
+          </p:cNvPr>
+          <p:cNvCxnSpPr/>
+          <p:nvPr/>
+        </p:nvCxnSpPr>
+        <p:spPr>
+          <a:xfrm flipV="1">
+            <a:off x="10226351" y="261257"/>
+            <a:ext cx="0" cy="1789409"/>
+          </a:xfrm>
+          <a:prstGeom prst="line">
+            <a:avLst/>
+          </a:prstGeom>
+        </p:spPr>
+        <p:style>
+          <a:lnRef idx="1">
+            <a:schemeClr val="accent1"/>
+          </a:lnRef>
+          <a:fillRef idx="0">
+            <a:schemeClr val="accent1"/>
+          </a:fillRef>
+          <a:effectRef idx="0">
+            <a:schemeClr val="accent1"/>
+          </a:effectRef>
+          <a:fontRef idx="minor">
+            <a:schemeClr val="tx1"/>
+          </a:fontRef>
+        </p:style>
+      </p:cxnSp>
+      <p:cxnSp>
+        <p:nvCxnSpPr>
+          <p:cNvPr id="74" name="Gerader Verbinder 73">
+            <a:extLst>
+              <a:ext uri="{FF2B5EF4-FFF2-40B4-BE49-F238E27FC236}">
+                <a16:creationId xmlns:a16="http://schemas.microsoft.com/office/drawing/2014/main" id="{1C8600A5-C44A-429E-907E-520F809E02AF}"/>
+              </a:ext>
+            </a:extLst>
+          </p:cNvPr>
+          <p:cNvCxnSpPr>
+            <a:cxnSpLocks/>
+          </p:cNvCxnSpPr>
+          <p:nvPr/>
+        </p:nvCxnSpPr>
+        <p:spPr>
+          <a:xfrm flipH="1">
+            <a:off x="2375056" y="255037"/>
+            <a:ext cx="7826413" cy="0"/>
+          </a:xfrm>
+          <a:prstGeom prst="line">
+            <a:avLst/>
+          </a:prstGeom>
+        </p:spPr>
+        <p:style>
+          <a:lnRef idx="1">
+            <a:schemeClr val="accent1"/>
+          </a:lnRef>
+          <a:fillRef idx="0">
+            <a:schemeClr val="accent1"/>
+          </a:fillRef>
+          <a:effectRef idx="0">
+            <a:schemeClr val="accent1"/>
+          </a:effectRef>
+          <a:fontRef idx="minor">
+            <a:schemeClr val="tx1"/>
+          </a:fontRef>
+        </p:style>
+      </p:cxnSp>
+      <p:cxnSp>
+        <p:nvCxnSpPr>
+          <p:cNvPr id="76" name="Gerader Verbinder 75">
+            <a:extLst>
+              <a:ext uri="{FF2B5EF4-FFF2-40B4-BE49-F238E27FC236}">
+                <a16:creationId xmlns:a16="http://schemas.microsoft.com/office/drawing/2014/main" id="{300C9DF7-5567-47ED-BCD9-C6CF461E7364}"/>
+              </a:ext>
+            </a:extLst>
+          </p:cNvPr>
+          <p:cNvCxnSpPr/>
+          <p:nvPr/>
+        </p:nvCxnSpPr>
+        <p:spPr>
+          <a:xfrm flipV="1">
+            <a:off x="2375056" y="261257"/>
+            <a:ext cx="0" cy="1712141"/>
+          </a:xfrm>
+          <a:prstGeom prst="line">
+            <a:avLst/>
+          </a:prstGeom>
+        </p:spPr>
+        <p:style>
+          <a:lnRef idx="1">
+            <a:schemeClr val="accent1"/>
+          </a:lnRef>
+          <a:fillRef idx="0">
+            <a:schemeClr val="accent1"/>
+          </a:fillRef>
+          <a:effectRef idx="0">
+            <a:schemeClr val="accent1"/>
+          </a:effectRef>
+          <a:fontRef idx="minor">
+            <a:schemeClr val="tx1"/>
+          </a:fontRef>
+        </p:style>
+      </p:cxnSp>
+      <p:cxnSp>
+        <p:nvCxnSpPr>
+          <p:cNvPr id="79" name="Gerader Verbinder 78">
+            <a:extLst>
+              <a:ext uri="{FF2B5EF4-FFF2-40B4-BE49-F238E27FC236}">
+                <a16:creationId xmlns:a16="http://schemas.microsoft.com/office/drawing/2014/main" id="{44EC3E83-9034-4418-92B7-97A07C2689EC}"/>
+              </a:ext>
+            </a:extLst>
+          </p:cNvPr>
+          <p:cNvCxnSpPr/>
+          <p:nvPr/>
+        </p:nvCxnSpPr>
+        <p:spPr>
+          <a:xfrm>
+            <a:off x="1795418" y="3483429"/>
+            <a:ext cx="359953" cy="0"/>
+          </a:xfrm>
+          <a:prstGeom prst="line">
+            <a:avLst/>
+          </a:prstGeom>
+        </p:spPr>
+        <p:style>
+          <a:lnRef idx="1">
+            <a:schemeClr val="accent1"/>
+          </a:lnRef>
+          <a:fillRef idx="0">
+            <a:schemeClr val="accent1"/>
+          </a:fillRef>
+          <a:effectRef idx="0">
+            <a:schemeClr val="accent1"/>
+          </a:effectRef>
+          <a:fontRef idx="minor">
+            <a:schemeClr val="tx1"/>
+          </a:fontRef>
+        </p:style>
+      </p:cxnSp>
+      <p:cxnSp>
+        <p:nvCxnSpPr>
+          <p:cNvPr id="81" name="Gerader Verbinder 80">
+            <a:extLst>
+              <a:ext uri="{FF2B5EF4-FFF2-40B4-BE49-F238E27FC236}">
+                <a16:creationId xmlns:a16="http://schemas.microsoft.com/office/drawing/2014/main" id="{3B0EAC76-40A3-4078-8188-AC073CA5274D}"/>
+              </a:ext>
+            </a:extLst>
+          </p:cNvPr>
+          <p:cNvCxnSpPr/>
+          <p:nvPr/>
+        </p:nvCxnSpPr>
+        <p:spPr>
+          <a:xfrm flipV="1">
+            <a:off x="2155371" y="367004"/>
+            <a:ext cx="0" cy="3110204"/>
+          </a:xfrm>
+          <a:prstGeom prst="line">
+            <a:avLst/>
+          </a:prstGeom>
+        </p:spPr>
+        <p:style>
+          <a:lnRef idx="1">
+            <a:schemeClr val="accent1"/>
+          </a:lnRef>
+          <a:fillRef idx="0">
+            <a:schemeClr val="accent1"/>
+          </a:fillRef>
+          <a:effectRef idx="0">
+            <a:schemeClr val="accent1"/>
+          </a:effectRef>
+          <a:fontRef idx="minor">
+            <a:schemeClr val="tx1"/>
+          </a:fontRef>
+        </p:style>
+      </p:cxnSp>
+      <p:cxnSp>
+        <p:nvCxnSpPr>
+          <p:cNvPr id="83" name="Gerader Verbinder 82">
+            <a:extLst>
+              <a:ext uri="{FF2B5EF4-FFF2-40B4-BE49-F238E27FC236}">
+                <a16:creationId xmlns:a16="http://schemas.microsoft.com/office/drawing/2014/main" id="{4A744AA7-B705-42A1-BA22-BB56B327BAC5}"/>
+              </a:ext>
+            </a:extLst>
+          </p:cNvPr>
+          <p:cNvCxnSpPr>
+            <a:cxnSpLocks/>
+          </p:cNvCxnSpPr>
+          <p:nvPr/>
+        </p:nvCxnSpPr>
+        <p:spPr>
+          <a:xfrm>
+            <a:off x="2155371" y="379445"/>
+            <a:ext cx="7952792" cy="0"/>
+          </a:xfrm>
+          <a:prstGeom prst="line">
+            <a:avLst/>
+          </a:prstGeom>
+        </p:spPr>
+        <p:style>
+          <a:lnRef idx="1">
+            <a:schemeClr val="accent1"/>
+          </a:lnRef>
+          <a:fillRef idx="0">
+            <a:schemeClr val="accent1"/>
+          </a:fillRef>
+          <a:effectRef idx="0">
+            <a:schemeClr val="accent1"/>
+          </a:effectRef>
+          <a:fontRef idx="minor">
+            <a:schemeClr val="tx1"/>
+          </a:fontRef>
+        </p:style>
+      </p:cxnSp>
+      <p:cxnSp>
+        <p:nvCxnSpPr>
+          <p:cNvPr id="85" name="Gerader Verbinder 84">
+            <a:extLst>
+              <a:ext uri="{FF2B5EF4-FFF2-40B4-BE49-F238E27FC236}">
+                <a16:creationId xmlns:a16="http://schemas.microsoft.com/office/drawing/2014/main" id="{4A47C549-AC68-44BE-8BF0-F47F69D4BC91}"/>
+              </a:ext>
+            </a:extLst>
+          </p:cNvPr>
+          <p:cNvCxnSpPr/>
+          <p:nvPr/>
+        </p:nvCxnSpPr>
+        <p:spPr>
+          <a:xfrm>
+            <a:off x="9497617" y="2226694"/>
+            <a:ext cx="598105" cy="0"/>
+          </a:xfrm>
+          <a:prstGeom prst="line">
+            <a:avLst/>
+          </a:prstGeom>
+        </p:spPr>
+        <p:style>
+          <a:lnRef idx="1">
+            <a:schemeClr val="accent1"/>
+          </a:lnRef>
+          <a:fillRef idx="0">
+            <a:schemeClr val="accent1"/>
+          </a:fillRef>
+          <a:effectRef idx="0">
+            <a:schemeClr val="accent1"/>
+          </a:effectRef>
+          <a:fontRef idx="minor">
+            <a:schemeClr val="tx1"/>
+          </a:fontRef>
+        </p:style>
+      </p:cxnSp>
+      <p:cxnSp>
+        <p:nvCxnSpPr>
+          <p:cNvPr id="87" name="Gerader Verbinder 86">
+            <a:extLst>
+              <a:ext uri="{FF2B5EF4-FFF2-40B4-BE49-F238E27FC236}">
+                <a16:creationId xmlns:a16="http://schemas.microsoft.com/office/drawing/2014/main" id="{B1615650-ECB1-4B77-AA27-AC34863B7AD4}"/>
+              </a:ext>
+            </a:extLst>
+          </p:cNvPr>
+          <p:cNvCxnSpPr/>
+          <p:nvPr/>
+        </p:nvCxnSpPr>
+        <p:spPr>
+          <a:xfrm flipV="1">
+            <a:off x="10108163" y="367004"/>
+            <a:ext cx="0" cy="1859690"/>
+          </a:xfrm>
+          <a:prstGeom prst="line">
+            <a:avLst/>
+          </a:prstGeom>
+        </p:spPr>
+        <p:style>
+          <a:lnRef idx="1">
+            <a:schemeClr val="accent1"/>
+          </a:lnRef>
+          <a:fillRef idx="0">
+            <a:schemeClr val="accent1"/>
+          </a:fillRef>
+          <a:effectRef idx="0">
+            <a:schemeClr val="accent1"/>
+          </a:effectRef>
+          <a:fontRef idx="minor">
+            <a:schemeClr val="tx1"/>
+          </a:fontRef>
+        </p:style>
+      </p:cxnSp>
+      <p:cxnSp>
+        <p:nvCxnSpPr>
+          <p:cNvPr id="90" name="Gerader Verbinder 89">
+            <a:extLst>
+              <a:ext uri="{FF2B5EF4-FFF2-40B4-BE49-F238E27FC236}">
+                <a16:creationId xmlns:a16="http://schemas.microsoft.com/office/drawing/2014/main" id="{5226D515-AF51-4E04-936A-C20E3077C484}"/>
+              </a:ext>
+            </a:extLst>
+          </p:cNvPr>
+          <p:cNvCxnSpPr/>
+          <p:nvPr/>
+        </p:nvCxnSpPr>
+        <p:spPr>
+          <a:xfrm>
+            <a:off x="1795418" y="2144720"/>
+            <a:ext cx="1656909" cy="0"/>
+          </a:xfrm>
+          <a:prstGeom prst="line">
+            <a:avLst/>
+          </a:prstGeom>
+        </p:spPr>
+        <p:style>
+          <a:lnRef idx="1">
+            <a:schemeClr val="accent1"/>
+          </a:lnRef>
+          <a:fillRef idx="0">
+            <a:schemeClr val="accent1"/>
+          </a:fillRef>
+          <a:effectRef idx="0">
+            <a:schemeClr val="accent1"/>
+          </a:effectRef>
+          <a:fontRef idx="minor">
+            <a:schemeClr val="tx1"/>
+          </a:fontRef>
+        </p:style>
+      </p:cxnSp>
+      <p:cxnSp>
+        <p:nvCxnSpPr>
+          <p:cNvPr id="92" name="Gerader Verbinder 91">
+            <a:extLst>
+              <a:ext uri="{FF2B5EF4-FFF2-40B4-BE49-F238E27FC236}">
+                <a16:creationId xmlns:a16="http://schemas.microsoft.com/office/drawing/2014/main" id="{C1C2E287-0650-4DB6-A78A-699F35ED2B0A}"/>
+              </a:ext>
+            </a:extLst>
+          </p:cNvPr>
+          <p:cNvCxnSpPr>
+            <a:cxnSpLocks/>
+          </p:cNvCxnSpPr>
+          <p:nvPr/>
+        </p:nvCxnSpPr>
+        <p:spPr>
+          <a:xfrm>
+            <a:off x="1795418" y="3620278"/>
+            <a:ext cx="1656909" cy="0"/>
+          </a:xfrm>
+          <a:prstGeom prst="line">
+            <a:avLst/>
+          </a:prstGeom>
+        </p:spPr>
+        <p:style>
+          <a:lnRef idx="1">
+            <a:schemeClr val="accent1"/>
+          </a:lnRef>
+          <a:fillRef idx="0">
+            <a:schemeClr val="accent1"/>
+          </a:fillRef>
+          <a:effectRef idx="0">
+            <a:schemeClr val="accent1"/>
+          </a:effectRef>
+          <a:fontRef idx="minor">
+            <a:schemeClr val="tx1"/>
+          </a:fontRef>
+        </p:style>
+      </p:cxnSp>
+      <p:cxnSp>
+        <p:nvCxnSpPr>
+          <p:cNvPr id="94" name="Gerader Verbinder 93">
+            <a:extLst>
+              <a:ext uri="{FF2B5EF4-FFF2-40B4-BE49-F238E27FC236}">
+                <a16:creationId xmlns:a16="http://schemas.microsoft.com/office/drawing/2014/main" id="{D6C98D83-6837-462C-B198-2571A7DB969B}"/>
+              </a:ext>
+            </a:extLst>
+          </p:cNvPr>
+          <p:cNvCxnSpPr/>
+          <p:nvPr/>
+        </p:nvCxnSpPr>
+        <p:spPr>
+          <a:xfrm flipV="1">
+            <a:off x="3452327" y="2144720"/>
+            <a:ext cx="0" cy="1469337"/>
+          </a:xfrm>
+          <a:prstGeom prst="line">
+            <a:avLst/>
+          </a:prstGeom>
+        </p:spPr>
+        <p:style>
+          <a:lnRef idx="1">
+            <a:schemeClr val="accent1"/>
+          </a:lnRef>
+          <a:fillRef idx="0">
+            <a:schemeClr val="accent1"/>
+          </a:fillRef>
+          <a:effectRef idx="0">
+            <a:schemeClr val="accent1"/>
+          </a:effectRef>
+          <a:fontRef idx="minor">
+            <a:schemeClr val="tx1"/>
+          </a:fontRef>
+        </p:style>
+      </p:cxnSp>
+      <p:cxnSp>
+        <p:nvCxnSpPr>
+          <p:cNvPr id="96" name="Gerader Verbinder 95">
+            <a:extLst>
+              <a:ext uri="{FF2B5EF4-FFF2-40B4-BE49-F238E27FC236}">
+                <a16:creationId xmlns:a16="http://schemas.microsoft.com/office/drawing/2014/main" id="{58058C90-2E01-4094-B820-67A28370D715}"/>
+              </a:ext>
+            </a:extLst>
+          </p:cNvPr>
+          <p:cNvCxnSpPr/>
+          <p:nvPr/>
+        </p:nvCxnSpPr>
+        <p:spPr>
+          <a:xfrm flipH="1">
+            <a:off x="3452327" y="2888113"/>
+            <a:ext cx="3870043" cy="0"/>
+          </a:xfrm>
+          <a:prstGeom prst="line">
+            <a:avLst/>
+          </a:prstGeom>
+        </p:spPr>
+        <p:style>
+          <a:lnRef idx="1">
+            <a:schemeClr val="accent1"/>
+          </a:lnRef>
+          <a:fillRef idx="0">
+            <a:schemeClr val="accent1"/>
+          </a:fillRef>
+          <a:effectRef idx="0">
+            <a:schemeClr val="accent1"/>
+          </a:effectRef>
+          <a:fontRef idx="minor">
+            <a:schemeClr val="tx1"/>
+          </a:fontRef>
+        </p:style>
+      </p:cxnSp>
+      <p:cxnSp>
+        <p:nvCxnSpPr>
+          <p:cNvPr id="98" name="Gerader Verbinder 97">
+            <a:extLst>
+              <a:ext uri="{FF2B5EF4-FFF2-40B4-BE49-F238E27FC236}">
+                <a16:creationId xmlns:a16="http://schemas.microsoft.com/office/drawing/2014/main" id="{D4F8A977-6A88-476B-B17C-93117A3D3872}"/>
+              </a:ext>
+            </a:extLst>
+          </p:cNvPr>
+          <p:cNvCxnSpPr/>
+          <p:nvPr/>
+        </p:nvCxnSpPr>
+        <p:spPr>
+          <a:xfrm>
+            <a:off x="5051303" y="1904975"/>
+            <a:ext cx="0" cy="974413"/>
+          </a:xfrm>
+          <a:prstGeom prst="line">
+            <a:avLst/>
+          </a:prstGeom>
+        </p:spPr>
+        <p:style>
+          <a:lnRef idx="1">
+            <a:schemeClr val="accent1"/>
+          </a:lnRef>
+          <a:fillRef idx="0">
+            <a:schemeClr val="accent1"/>
+          </a:fillRef>
+          <a:effectRef idx="0">
+            <a:schemeClr val="accent1"/>
+          </a:effectRef>
+          <a:fontRef idx="minor">
+            <a:schemeClr val="tx1"/>
+          </a:fontRef>
+        </p:style>
+      </p:cxnSp>
+      <p:cxnSp>
+        <p:nvCxnSpPr>
+          <p:cNvPr id="100" name="Gerader Verbinder 99">
+            <a:extLst>
+              <a:ext uri="{FF2B5EF4-FFF2-40B4-BE49-F238E27FC236}">
+                <a16:creationId xmlns:a16="http://schemas.microsoft.com/office/drawing/2014/main" id="{4D1A26A0-7F6D-468D-88FB-1840E2DE4913}"/>
+              </a:ext>
+            </a:extLst>
+          </p:cNvPr>
+          <p:cNvCxnSpPr/>
+          <p:nvPr/>
+        </p:nvCxnSpPr>
+        <p:spPr>
+          <a:xfrm flipH="1">
+            <a:off x="3794449" y="2226694"/>
+            <a:ext cx="3582955" cy="0"/>
+          </a:xfrm>
+          <a:prstGeom prst="line">
+            <a:avLst/>
+          </a:prstGeom>
+        </p:spPr>
+        <p:style>
+          <a:lnRef idx="1">
+            <a:schemeClr val="accent1"/>
+          </a:lnRef>
+          <a:fillRef idx="0">
+            <a:schemeClr val="accent1"/>
+          </a:fillRef>
+          <a:effectRef idx="0">
+            <a:schemeClr val="accent1"/>
+          </a:effectRef>
+          <a:fontRef idx="minor">
+            <a:schemeClr val="tx1"/>
+          </a:fontRef>
+        </p:style>
+      </p:cxnSp>
+      <p:cxnSp>
+        <p:nvCxnSpPr>
+          <p:cNvPr id="102" name="Gerader Verbinder 101">
+            <a:extLst>
+              <a:ext uri="{FF2B5EF4-FFF2-40B4-BE49-F238E27FC236}">
+                <a16:creationId xmlns:a16="http://schemas.microsoft.com/office/drawing/2014/main" id="{394AE6A5-16B2-41AF-AE45-88D4B45737FF}"/>
+              </a:ext>
+            </a:extLst>
+          </p:cNvPr>
+          <p:cNvCxnSpPr/>
+          <p:nvPr/>
+        </p:nvCxnSpPr>
+        <p:spPr>
+          <a:xfrm>
+            <a:off x="5156718" y="1904975"/>
+            <a:ext cx="0" cy="321719"/>
+          </a:xfrm>
+          <a:prstGeom prst="line">
+            <a:avLst/>
+          </a:prstGeom>
+        </p:spPr>
+        <p:style>
+          <a:lnRef idx="1">
+            <a:schemeClr val="accent1"/>
+          </a:lnRef>
+          <a:fillRef idx="0">
+            <a:schemeClr val="accent1"/>
+          </a:fillRef>
+          <a:effectRef idx="0">
+            <a:schemeClr val="accent1"/>
+          </a:effectRef>
+          <a:fontRef idx="minor">
+            <a:schemeClr val="tx1"/>
+          </a:fontRef>
+        </p:style>
+      </p:cxnSp>
+      <p:cxnSp>
+        <p:nvCxnSpPr>
+          <p:cNvPr id="104" name="Gerader Verbinder 103">
+            <a:extLst>
+              <a:ext uri="{FF2B5EF4-FFF2-40B4-BE49-F238E27FC236}">
+                <a16:creationId xmlns:a16="http://schemas.microsoft.com/office/drawing/2014/main" id="{6DB0DD90-1930-43CD-9986-451B427CEDE8}"/>
+              </a:ext>
+            </a:extLst>
+          </p:cNvPr>
+          <p:cNvCxnSpPr/>
+          <p:nvPr/>
+        </p:nvCxnSpPr>
+        <p:spPr>
+          <a:xfrm>
+            <a:off x="1795418" y="2050666"/>
+            <a:ext cx="1999031" cy="0"/>
+          </a:xfrm>
+          <a:prstGeom prst="line">
+            <a:avLst/>
+          </a:prstGeom>
+        </p:spPr>
+        <p:style>
+          <a:lnRef idx="1">
+            <a:schemeClr val="accent1"/>
+          </a:lnRef>
+          <a:fillRef idx="0">
+            <a:schemeClr val="accent1"/>
+          </a:fillRef>
+          <a:effectRef idx="0">
+            <a:schemeClr val="accent1"/>
+          </a:effectRef>
+          <a:fontRef idx="minor">
+            <a:schemeClr val="tx1"/>
+          </a:fontRef>
+        </p:style>
+      </p:cxnSp>
+      <p:cxnSp>
+        <p:nvCxnSpPr>
+          <p:cNvPr id="106" name="Gerader Verbinder 105">
+            <a:extLst>
+              <a:ext uri="{FF2B5EF4-FFF2-40B4-BE49-F238E27FC236}">
+                <a16:creationId xmlns:a16="http://schemas.microsoft.com/office/drawing/2014/main" id="{403FA446-8F3C-4D0D-8CB3-671888D1C4E4}"/>
+              </a:ext>
+            </a:extLst>
+          </p:cNvPr>
+          <p:cNvCxnSpPr>
+            <a:cxnSpLocks/>
+          </p:cNvCxnSpPr>
+          <p:nvPr/>
+        </p:nvCxnSpPr>
+        <p:spPr>
+          <a:xfrm>
+            <a:off x="1795418" y="3558073"/>
+            <a:ext cx="1999031" cy="0"/>
+          </a:xfrm>
+          <a:prstGeom prst="line">
+            <a:avLst/>
+          </a:prstGeom>
+        </p:spPr>
+        <p:style>
+          <a:lnRef idx="1">
+            <a:schemeClr val="accent1"/>
+          </a:lnRef>
+          <a:fillRef idx="0">
+            <a:schemeClr val="accent1"/>
+          </a:fillRef>
+          <a:effectRef idx="0">
+            <a:schemeClr val="accent1"/>
+          </a:effectRef>
+          <a:fontRef idx="minor">
+            <a:schemeClr val="tx1"/>
+          </a:fontRef>
+        </p:style>
+      </p:cxnSp>
+      <p:cxnSp>
+        <p:nvCxnSpPr>
+          <p:cNvPr id="108" name="Gerader Verbinder 107">
+            <a:extLst>
+              <a:ext uri="{FF2B5EF4-FFF2-40B4-BE49-F238E27FC236}">
+                <a16:creationId xmlns:a16="http://schemas.microsoft.com/office/drawing/2014/main" id="{F3DFB7BC-ACDC-4633-9B43-9E18887ADBCD}"/>
+              </a:ext>
+            </a:extLst>
+          </p:cNvPr>
+          <p:cNvCxnSpPr/>
+          <p:nvPr/>
+        </p:nvCxnSpPr>
+        <p:spPr>
+          <a:xfrm>
+            <a:off x="3794449" y="2065834"/>
+            <a:ext cx="0" cy="160860"/>
+          </a:xfrm>
+          <a:prstGeom prst="line">
+            <a:avLst/>
+          </a:prstGeom>
+        </p:spPr>
+        <p:style>
+          <a:lnRef idx="1">
+            <a:schemeClr val="accent1"/>
+          </a:lnRef>
+          <a:fillRef idx="0">
+            <a:schemeClr val="accent1"/>
+          </a:fillRef>
+          <a:effectRef idx="0">
+            <a:schemeClr val="accent1"/>
+          </a:effectRef>
+          <a:fontRef idx="minor">
+            <a:schemeClr val="tx1"/>
+          </a:fontRef>
+        </p:style>
+      </p:cxnSp>
+      <p:cxnSp>
+        <p:nvCxnSpPr>
+          <p:cNvPr id="110" name="Gerader Verbinder 109">
+            <a:extLst>
+              <a:ext uri="{FF2B5EF4-FFF2-40B4-BE49-F238E27FC236}">
+                <a16:creationId xmlns:a16="http://schemas.microsoft.com/office/drawing/2014/main" id="{73171C51-A927-4648-AC1C-7CDBD61F615A}"/>
+              </a:ext>
+            </a:extLst>
+          </p:cNvPr>
+          <p:cNvCxnSpPr>
+            <a:cxnSpLocks/>
+          </p:cNvCxnSpPr>
+          <p:nvPr/>
+        </p:nvCxnSpPr>
+        <p:spPr>
+          <a:xfrm flipV="1">
+            <a:off x="3794449" y="2226695"/>
+            <a:ext cx="0" cy="1331378"/>
+          </a:xfrm>
+          <a:prstGeom prst="line">
+            <a:avLst/>
+          </a:prstGeom>
+        </p:spPr>
+        <p:style>
+          <a:lnRef idx="1">
+            <a:schemeClr val="accent1"/>
+          </a:lnRef>
+          <a:fillRef idx="0">
+            <a:schemeClr val="accent1"/>
+          </a:fillRef>
+          <a:effectRef idx="0">
+            <a:schemeClr val="accent1"/>
+          </a:effectRef>
+          <a:fontRef idx="minor">
+            <a:schemeClr val="tx1"/>
+          </a:fontRef>
+        </p:style>
+      </p:cxnSp>
+      <p:cxnSp>
+        <p:nvCxnSpPr>
+          <p:cNvPr id="115" name="Gerader Verbinder 114">
+            <a:extLst>
+              <a:ext uri="{FF2B5EF4-FFF2-40B4-BE49-F238E27FC236}">
+                <a16:creationId xmlns:a16="http://schemas.microsoft.com/office/drawing/2014/main" id="{C7F5EF01-0401-400D-B5FE-D274D0CB39DC}"/>
+              </a:ext>
+            </a:extLst>
+          </p:cNvPr>
+          <p:cNvCxnSpPr/>
+          <p:nvPr/>
+        </p:nvCxnSpPr>
+        <p:spPr>
+          <a:xfrm flipH="1">
+            <a:off x="6382139" y="1747935"/>
+            <a:ext cx="940231" cy="0"/>
+          </a:xfrm>
+          <a:prstGeom prst="line">
+            <a:avLst/>
+          </a:prstGeom>
+        </p:spPr>
+        <p:style>
+          <a:lnRef idx="1">
+            <a:schemeClr val="accent1"/>
+          </a:lnRef>
+          <a:fillRef idx="0">
+            <a:schemeClr val="accent1"/>
+          </a:fillRef>
+          <a:effectRef idx="0">
+            <a:schemeClr val="accent1"/>
+          </a:effectRef>
+          <a:fontRef idx="minor">
+            <a:schemeClr val="tx1"/>
+          </a:fontRef>
+        </p:style>
+      </p:cxnSp>
+      <p:cxnSp>
+        <p:nvCxnSpPr>
+          <p:cNvPr id="117" name="Gerader Verbinder 116">
+            <a:extLst>
+              <a:ext uri="{FF2B5EF4-FFF2-40B4-BE49-F238E27FC236}">
+                <a16:creationId xmlns:a16="http://schemas.microsoft.com/office/drawing/2014/main" id="{CEEF18FB-98DE-499E-B156-10792A10299B}"/>
+              </a:ext>
+            </a:extLst>
+          </p:cNvPr>
+          <p:cNvCxnSpPr/>
+          <p:nvPr/>
+        </p:nvCxnSpPr>
+        <p:spPr>
+          <a:xfrm>
+            <a:off x="6382139" y="1747935"/>
+            <a:ext cx="0" cy="1810138"/>
+          </a:xfrm>
+          <a:prstGeom prst="line">
+            <a:avLst/>
+          </a:prstGeom>
+        </p:spPr>
+        <p:style>
+          <a:lnRef idx="1">
+            <a:schemeClr val="accent1"/>
+          </a:lnRef>
+          <a:fillRef idx="0">
+            <a:schemeClr val="accent1"/>
+          </a:fillRef>
+          <a:effectRef idx="0">
+            <a:schemeClr val="accent1"/>
+          </a:effectRef>
+          <a:fontRef idx="minor">
+            <a:schemeClr val="tx1"/>
+          </a:fontRef>
+        </p:style>
+      </p:cxnSp>
+      <p:cxnSp>
+        <p:nvCxnSpPr>
+          <p:cNvPr id="119" name="Gerader Verbinder 118">
+            <a:extLst>
+              <a:ext uri="{FF2B5EF4-FFF2-40B4-BE49-F238E27FC236}">
+                <a16:creationId xmlns:a16="http://schemas.microsoft.com/office/drawing/2014/main" id="{AC6473AA-D6E7-4EC1-88FE-A1E7C37ACED6}"/>
+              </a:ext>
+            </a:extLst>
+          </p:cNvPr>
+          <p:cNvCxnSpPr/>
+          <p:nvPr/>
+        </p:nvCxnSpPr>
+        <p:spPr>
+          <a:xfrm flipH="1">
+            <a:off x="4833498" y="4970106"/>
+            <a:ext cx="397865" cy="0"/>
+          </a:xfrm>
+          <a:prstGeom prst="line">
+            <a:avLst/>
+          </a:prstGeom>
+        </p:spPr>
+        <p:style>
+          <a:lnRef idx="1">
+            <a:schemeClr val="accent1"/>
+          </a:lnRef>
+          <a:fillRef idx="0">
+            <a:schemeClr val="accent1"/>
+          </a:fillRef>
+          <a:effectRef idx="0">
+            <a:schemeClr val="accent1"/>
+          </a:effectRef>
+          <a:fontRef idx="minor">
+            <a:schemeClr val="tx1"/>
+          </a:fontRef>
+        </p:style>
+      </p:cxnSp>
+      <p:cxnSp>
+        <p:nvCxnSpPr>
+          <p:cNvPr id="121" name="Gerader Verbinder 120">
+            <a:extLst>
+              <a:ext uri="{FF2B5EF4-FFF2-40B4-BE49-F238E27FC236}">
+                <a16:creationId xmlns:a16="http://schemas.microsoft.com/office/drawing/2014/main" id="{FB4C092B-3953-4E86-8BA0-D59AA1545B8E}"/>
+              </a:ext>
+            </a:extLst>
+          </p:cNvPr>
+          <p:cNvCxnSpPr/>
+          <p:nvPr/>
+        </p:nvCxnSpPr>
+        <p:spPr>
+          <a:xfrm flipV="1">
+            <a:off x="4833498" y="3558073"/>
+            <a:ext cx="0" cy="1387151"/>
+          </a:xfrm>
+          <a:prstGeom prst="line">
+            <a:avLst/>
+          </a:prstGeom>
+        </p:spPr>
+        <p:style>
+          <a:lnRef idx="1">
+            <a:schemeClr val="accent1"/>
+          </a:lnRef>
+          <a:fillRef idx="0">
+            <a:schemeClr val="accent1"/>
+          </a:fillRef>
+          <a:effectRef idx="0">
+            <a:schemeClr val="accent1"/>
+          </a:effectRef>
+          <a:fontRef idx="minor">
+            <a:schemeClr val="tx1"/>
+          </a:fontRef>
+        </p:style>
+      </p:cxnSp>
+      <p:cxnSp>
+        <p:nvCxnSpPr>
+          <p:cNvPr id="123" name="Gerader Verbinder 122">
+            <a:extLst>
+              <a:ext uri="{FF2B5EF4-FFF2-40B4-BE49-F238E27FC236}">
+                <a16:creationId xmlns:a16="http://schemas.microsoft.com/office/drawing/2014/main" id="{B57A33C8-F1E2-46C6-8DB8-3603F6D3541E}"/>
+              </a:ext>
+            </a:extLst>
+          </p:cNvPr>
+          <p:cNvCxnSpPr/>
+          <p:nvPr/>
+        </p:nvCxnSpPr>
+        <p:spPr>
+          <a:xfrm>
+            <a:off x="4833498" y="3558073"/>
+            <a:ext cx="1548641" cy="0"/>
+          </a:xfrm>
+          <a:prstGeom prst="line">
+            <a:avLst/>
+          </a:prstGeom>
+        </p:spPr>
+        <p:style>
+          <a:lnRef idx="1">
+            <a:schemeClr val="accent1"/>
+          </a:lnRef>
+          <a:fillRef idx="0">
+            <a:schemeClr val="accent1"/>
+          </a:fillRef>
+          <a:effectRef idx="0">
+            <a:schemeClr val="accent1"/>
+          </a:effectRef>
+          <a:fontRef idx="minor">
+            <a:schemeClr val="tx1"/>
+          </a:fontRef>
+        </p:style>
+      </p:cxnSp>
+      <p:cxnSp>
+        <p:nvCxnSpPr>
+          <p:cNvPr id="125" name="Gerader Verbinder 124">
+            <a:extLst>
+              <a:ext uri="{FF2B5EF4-FFF2-40B4-BE49-F238E27FC236}">
+                <a16:creationId xmlns:a16="http://schemas.microsoft.com/office/drawing/2014/main" id="{8BBFDD45-2D36-41B6-AA06-B47A79D6E941}"/>
+              </a:ext>
+            </a:extLst>
+          </p:cNvPr>
+          <p:cNvCxnSpPr/>
+          <p:nvPr/>
+        </p:nvCxnSpPr>
+        <p:spPr>
+          <a:xfrm flipH="1">
+            <a:off x="6475445" y="1904975"/>
+            <a:ext cx="846925" cy="0"/>
+          </a:xfrm>
+          <a:prstGeom prst="line">
+            <a:avLst/>
+          </a:prstGeom>
+        </p:spPr>
+        <p:style>
+          <a:lnRef idx="1">
+            <a:schemeClr val="accent1"/>
+          </a:lnRef>
+          <a:fillRef idx="0">
+            <a:schemeClr val="accent1"/>
+          </a:fillRef>
+          <a:effectRef idx="0">
+            <a:schemeClr val="accent1"/>
+          </a:effectRef>
+          <a:fontRef idx="minor">
+            <a:schemeClr val="tx1"/>
+          </a:fontRef>
+        </p:style>
+      </p:cxnSp>
+      <p:cxnSp>
+        <p:nvCxnSpPr>
+          <p:cNvPr id="127" name="Gerader Verbinder 126">
+            <a:extLst>
+              <a:ext uri="{FF2B5EF4-FFF2-40B4-BE49-F238E27FC236}">
+                <a16:creationId xmlns:a16="http://schemas.microsoft.com/office/drawing/2014/main" id="{E36E8831-2512-486D-871F-E687792C80BE}"/>
+              </a:ext>
+            </a:extLst>
+          </p:cNvPr>
+          <p:cNvCxnSpPr/>
+          <p:nvPr/>
+        </p:nvCxnSpPr>
+        <p:spPr>
+          <a:xfrm>
+            <a:off x="6475445" y="1922106"/>
+            <a:ext cx="0" cy="1766596"/>
+          </a:xfrm>
+          <a:prstGeom prst="line">
+            <a:avLst/>
+          </a:prstGeom>
+        </p:spPr>
+        <p:style>
+          <a:lnRef idx="1">
+            <a:schemeClr val="accent1"/>
+          </a:lnRef>
+          <a:fillRef idx="0">
+            <a:schemeClr val="accent1"/>
+          </a:fillRef>
+          <a:effectRef idx="0">
+            <a:schemeClr val="accent1"/>
+          </a:effectRef>
+          <a:fontRef idx="minor">
+            <a:schemeClr val="tx1"/>
+          </a:fontRef>
+        </p:style>
+      </p:cxnSp>
+      <p:cxnSp>
+        <p:nvCxnSpPr>
+          <p:cNvPr id="129" name="Gerader Verbinder 128">
+            <a:extLst>
+              <a:ext uri="{FF2B5EF4-FFF2-40B4-BE49-F238E27FC236}">
+                <a16:creationId xmlns:a16="http://schemas.microsoft.com/office/drawing/2014/main" id="{86FFBA8C-4276-40AB-9169-FC4903E6D634}"/>
+              </a:ext>
+            </a:extLst>
+          </p:cNvPr>
+          <p:cNvCxnSpPr/>
+          <p:nvPr/>
+        </p:nvCxnSpPr>
+        <p:spPr>
+          <a:xfrm flipH="1">
+            <a:off x="4727751" y="3694922"/>
+            <a:ext cx="1747694" cy="0"/>
+          </a:xfrm>
+          <a:prstGeom prst="line">
+            <a:avLst/>
+          </a:prstGeom>
+        </p:spPr>
+        <p:style>
+          <a:lnRef idx="1">
+            <a:schemeClr val="accent1"/>
+          </a:lnRef>
+          <a:fillRef idx="0">
+            <a:schemeClr val="accent1"/>
+          </a:fillRef>
+          <a:effectRef idx="0">
+            <a:schemeClr val="accent1"/>
+          </a:effectRef>
+          <a:fontRef idx="minor">
+            <a:schemeClr val="tx1"/>
+          </a:fontRef>
+        </p:style>
+      </p:cxnSp>
+      <p:cxnSp>
+        <p:nvCxnSpPr>
+          <p:cNvPr id="131" name="Gerader Verbinder 130">
+            <a:extLst>
+              <a:ext uri="{FF2B5EF4-FFF2-40B4-BE49-F238E27FC236}">
+                <a16:creationId xmlns:a16="http://schemas.microsoft.com/office/drawing/2014/main" id="{AC2E8AF6-33E8-450E-AB5B-CA9DC5486247}"/>
+              </a:ext>
+            </a:extLst>
+          </p:cNvPr>
+          <p:cNvCxnSpPr/>
+          <p:nvPr/>
+        </p:nvCxnSpPr>
+        <p:spPr>
+          <a:xfrm>
+            <a:off x="4727751" y="3688702"/>
+            <a:ext cx="0" cy="1368490"/>
+          </a:xfrm>
+          <a:prstGeom prst="line">
+            <a:avLst/>
+          </a:prstGeom>
+        </p:spPr>
+        <p:style>
+          <a:lnRef idx="1">
+            <a:schemeClr val="accent1"/>
+          </a:lnRef>
+          <a:fillRef idx="0">
+            <a:schemeClr val="accent1"/>
+          </a:fillRef>
+          <a:effectRef idx="0">
+            <a:schemeClr val="accent1"/>
+          </a:effectRef>
+          <a:fontRef idx="minor">
+            <a:schemeClr val="tx1"/>
+          </a:fontRef>
+        </p:style>
+      </p:cxnSp>
+      <p:cxnSp>
+        <p:nvCxnSpPr>
+          <p:cNvPr id="133" name="Gerader Verbinder 132">
+            <a:extLst>
+              <a:ext uri="{FF2B5EF4-FFF2-40B4-BE49-F238E27FC236}">
+                <a16:creationId xmlns:a16="http://schemas.microsoft.com/office/drawing/2014/main" id="{75FD3B9F-68B6-4C11-94B5-A3DD3EFF6403}"/>
+              </a:ext>
+            </a:extLst>
+          </p:cNvPr>
+          <p:cNvCxnSpPr/>
+          <p:nvPr/>
+        </p:nvCxnSpPr>
+        <p:spPr>
+          <a:xfrm>
+            <a:off x="4727751" y="5088294"/>
+            <a:ext cx="551690" cy="0"/>
+          </a:xfrm>
+          <a:prstGeom prst="line">
+            <a:avLst/>
+          </a:prstGeom>
+        </p:spPr>
+        <p:style>
+          <a:lnRef idx="1">
+            <a:schemeClr val="accent1"/>
+          </a:lnRef>
+          <a:fillRef idx="0">
+            <a:schemeClr val="accent1"/>
+          </a:fillRef>
+          <a:effectRef idx="0">
+            <a:schemeClr val="accent1"/>
+          </a:effectRef>
+          <a:fontRef idx="minor">
+            <a:schemeClr val="tx1"/>
+          </a:fontRef>
+        </p:style>
+      </p:cxnSp>
+      <p:cxnSp>
+        <p:nvCxnSpPr>
+          <p:cNvPr id="135" name="Gerader Verbinder 134">
+            <a:extLst>
+              <a:ext uri="{FF2B5EF4-FFF2-40B4-BE49-F238E27FC236}">
+                <a16:creationId xmlns:a16="http://schemas.microsoft.com/office/drawing/2014/main" id="{15B722F3-1B07-42F0-B1CA-72B1153FBAA6}"/>
+              </a:ext>
+            </a:extLst>
+          </p:cNvPr>
+          <p:cNvCxnSpPr/>
+          <p:nvPr/>
+        </p:nvCxnSpPr>
+        <p:spPr>
+          <a:xfrm flipH="1">
+            <a:off x="6556310" y="2050666"/>
+            <a:ext cx="766060" cy="0"/>
+          </a:xfrm>
+          <a:prstGeom prst="line">
+            <a:avLst/>
+          </a:prstGeom>
+        </p:spPr>
+        <p:style>
+          <a:lnRef idx="1">
+            <a:schemeClr val="accent1"/>
+          </a:lnRef>
+          <a:fillRef idx="0">
+            <a:schemeClr val="accent1"/>
+          </a:fillRef>
+          <a:effectRef idx="0">
+            <a:schemeClr val="accent1"/>
+          </a:effectRef>
+          <a:fontRef idx="minor">
+            <a:schemeClr val="tx1"/>
+          </a:fontRef>
+        </p:style>
+      </p:cxnSp>
+      <p:cxnSp>
+        <p:nvCxnSpPr>
+          <p:cNvPr id="137" name="Gerader Verbinder 136">
+            <a:extLst>
+              <a:ext uri="{FF2B5EF4-FFF2-40B4-BE49-F238E27FC236}">
+                <a16:creationId xmlns:a16="http://schemas.microsoft.com/office/drawing/2014/main" id="{D59AB633-4575-43E3-86BE-F54483B10479}"/>
+              </a:ext>
+            </a:extLst>
+          </p:cNvPr>
+          <p:cNvCxnSpPr/>
+          <p:nvPr/>
+        </p:nvCxnSpPr>
+        <p:spPr>
+          <a:xfrm>
+            <a:off x="6556310" y="2065834"/>
+            <a:ext cx="0" cy="1765937"/>
+          </a:xfrm>
+          <a:prstGeom prst="line">
+            <a:avLst/>
+          </a:prstGeom>
+        </p:spPr>
+        <p:style>
+          <a:lnRef idx="1">
+            <a:schemeClr val="accent1"/>
+          </a:lnRef>
+          <a:fillRef idx="0">
+            <a:schemeClr val="accent1"/>
+          </a:fillRef>
+          <a:effectRef idx="0">
+            <a:schemeClr val="accent1"/>
+          </a:effectRef>
+          <a:fontRef idx="minor">
+            <a:schemeClr val="tx1"/>
+          </a:fontRef>
+        </p:style>
+      </p:cxnSp>
+      <p:cxnSp>
+        <p:nvCxnSpPr>
+          <p:cNvPr id="141" name="Gerader Verbinder 140">
+            <a:extLst>
+              <a:ext uri="{FF2B5EF4-FFF2-40B4-BE49-F238E27FC236}">
+                <a16:creationId xmlns:a16="http://schemas.microsoft.com/office/drawing/2014/main" id="{64FD7C46-2E25-46E2-91CE-BFD82E2A64DC}"/>
+              </a:ext>
+            </a:extLst>
+          </p:cNvPr>
+          <p:cNvCxnSpPr/>
+          <p:nvPr/>
+        </p:nvCxnSpPr>
+        <p:spPr>
+          <a:xfrm flipH="1">
+            <a:off x="4559559" y="3831771"/>
+            <a:ext cx="1996751" cy="0"/>
+          </a:xfrm>
+          <a:prstGeom prst="line">
+            <a:avLst/>
+          </a:prstGeom>
+        </p:spPr>
+        <p:style>
+          <a:lnRef idx="1">
+            <a:schemeClr val="accent1"/>
+          </a:lnRef>
+          <a:fillRef idx="0">
+            <a:schemeClr val="accent1"/>
+          </a:fillRef>
+          <a:effectRef idx="0">
+            <a:schemeClr val="accent1"/>
+          </a:effectRef>
+          <a:fontRef idx="minor">
+            <a:schemeClr val="tx1"/>
+          </a:fontRef>
+        </p:style>
+      </p:cxnSp>
+      <p:cxnSp>
+        <p:nvCxnSpPr>
+          <p:cNvPr id="143" name="Gerader Verbinder 142">
+            <a:extLst>
+              <a:ext uri="{FF2B5EF4-FFF2-40B4-BE49-F238E27FC236}">
+                <a16:creationId xmlns:a16="http://schemas.microsoft.com/office/drawing/2014/main" id="{023599EF-C0A5-4E2F-8FAF-FAFC06810DA9}"/>
+              </a:ext>
+            </a:extLst>
+          </p:cNvPr>
+          <p:cNvCxnSpPr/>
+          <p:nvPr/>
+        </p:nvCxnSpPr>
+        <p:spPr>
+          <a:xfrm flipH="1">
+            <a:off x="4559558" y="5169159"/>
+            <a:ext cx="696685" cy="0"/>
+          </a:xfrm>
+          <a:prstGeom prst="line">
+            <a:avLst/>
+          </a:prstGeom>
+        </p:spPr>
+        <p:style>
+          <a:lnRef idx="1">
+            <a:schemeClr val="accent1"/>
+          </a:lnRef>
+          <a:fillRef idx="0">
+            <a:schemeClr val="accent1"/>
+          </a:fillRef>
+          <a:effectRef idx="0">
+            <a:schemeClr val="accent1"/>
+          </a:effectRef>
+          <a:fontRef idx="minor">
+            <a:schemeClr val="tx1"/>
+          </a:fontRef>
+        </p:style>
+      </p:cxnSp>
+      <p:cxnSp>
+        <p:nvCxnSpPr>
+          <p:cNvPr id="145" name="Gerader Verbinder 144">
+            <a:extLst>
+              <a:ext uri="{FF2B5EF4-FFF2-40B4-BE49-F238E27FC236}">
+                <a16:creationId xmlns:a16="http://schemas.microsoft.com/office/drawing/2014/main" id="{E60B2576-2474-41BC-A2C6-55C5D3B97CF8}"/>
+              </a:ext>
+            </a:extLst>
+          </p:cNvPr>
+          <p:cNvCxnSpPr/>
+          <p:nvPr/>
+        </p:nvCxnSpPr>
+        <p:spPr>
+          <a:xfrm>
+            <a:off x="4559559" y="3831771"/>
+            <a:ext cx="0" cy="1343609"/>
+          </a:xfrm>
+          <a:prstGeom prst="line">
+            <a:avLst/>
+          </a:prstGeom>
+        </p:spPr>
+        <p:style>
+          <a:lnRef idx="1">
+            <a:schemeClr val="accent1"/>
+          </a:lnRef>
+          <a:fillRef idx="0">
+            <a:schemeClr val="accent1"/>
+          </a:fillRef>
+          <a:effectRef idx="0">
+            <a:schemeClr val="accent1"/>
+          </a:effectRef>
+          <a:fontRef idx="minor">
+            <a:schemeClr val="tx1"/>
+          </a:fontRef>
+        </p:style>
+      </p:cxnSp>
+      <p:cxnSp>
+        <p:nvCxnSpPr>
+          <p:cNvPr id="147" name="Gerader Verbinder 146">
+            <a:extLst>
+              <a:ext uri="{FF2B5EF4-FFF2-40B4-BE49-F238E27FC236}">
+                <a16:creationId xmlns:a16="http://schemas.microsoft.com/office/drawing/2014/main" id="{36C9827A-9BBF-4F37-B6D4-2CCDD71FD0FB}"/>
+              </a:ext>
+            </a:extLst>
+          </p:cNvPr>
+          <p:cNvCxnSpPr/>
+          <p:nvPr/>
+        </p:nvCxnSpPr>
+        <p:spPr>
+          <a:xfrm flipH="1">
+            <a:off x="4833498" y="5946710"/>
+            <a:ext cx="553850" cy="0"/>
+          </a:xfrm>
+          <a:prstGeom prst="line">
+            <a:avLst/>
+          </a:prstGeom>
+        </p:spPr>
+        <p:style>
+          <a:lnRef idx="1">
+            <a:schemeClr val="accent1"/>
+          </a:lnRef>
+          <a:fillRef idx="0">
+            <a:schemeClr val="accent1"/>
+          </a:fillRef>
+          <a:effectRef idx="0">
+            <a:schemeClr val="accent1"/>
+          </a:effectRef>
+          <a:fontRef idx="minor">
+            <a:schemeClr val="tx1"/>
+          </a:fontRef>
+        </p:style>
+      </p:cxnSp>
+      <p:cxnSp>
+        <p:nvCxnSpPr>
+          <p:cNvPr id="149" name="Gerader Verbinder 148">
+            <a:extLst>
+              <a:ext uri="{FF2B5EF4-FFF2-40B4-BE49-F238E27FC236}">
+                <a16:creationId xmlns:a16="http://schemas.microsoft.com/office/drawing/2014/main" id="{1519A490-4DE1-4C8E-AC53-A58D6F4CB8ED}"/>
+              </a:ext>
+            </a:extLst>
+          </p:cNvPr>
+          <p:cNvCxnSpPr/>
+          <p:nvPr/>
+        </p:nvCxnSpPr>
+        <p:spPr>
+          <a:xfrm>
+            <a:off x="4833498" y="5965371"/>
+            <a:ext cx="0" cy="640702"/>
+          </a:xfrm>
+          <a:prstGeom prst="line">
+            <a:avLst/>
+          </a:prstGeom>
+        </p:spPr>
+        <p:style>
+          <a:lnRef idx="1">
+            <a:schemeClr val="accent1"/>
+          </a:lnRef>
+          <a:fillRef idx="0">
+            <a:schemeClr val="accent1"/>
+          </a:fillRef>
+          <a:effectRef idx="0">
+            <a:schemeClr val="accent1"/>
+          </a:effectRef>
+          <a:fontRef idx="minor">
+            <a:schemeClr val="tx1"/>
+          </a:fontRef>
+        </p:style>
+      </p:cxnSp>
+      <p:cxnSp>
+        <p:nvCxnSpPr>
+          <p:cNvPr id="151" name="Gerader Verbinder 150">
+            <a:extLst>
+              <a:ext uri="{FF2B5EF4-FFF2-40B4-BE49-F238E27FC236}">
+                <a16:creationId xmlns:a16="http://schemas.microsoft.com/office/drawing/2014/main" id="{F6DD838A-3157-4B60-8A51-9165D19813C9}"/>
+              </a:ext>
+            </a:extLst>
+          </p:cNvPr>
+          <p:cNvCxnSpPr>
+            <a:cxnSpLocks/>
+          </p:cNvCxnSpPr>
+          <p:nvPr/>
+        </p:nvCxnSpPr>
+        <p:spPr>
+          <a:xfrm>
+            <a:off x="4833498" y="6612294"/>
+            <a:ext cx="5150257" cy="0"/>
+          </a:xfrm>
+          <a:prstGeom prst="line">
+            <a:avLst/>
+          </a:prstGeom>
+        </p:spPr>
+        <p:style>
+          <a:lnRef idx="1">
+            <a:schemeClr val="accent1"/>
+          </a:lnRef>
+          <a:fillRef idx="0">
+            <a:schemeClr val="accent1"/>
+          </a:fillRef>
+          <a:effectRef idx="0">
+            <a:schemeClr val="accent1"/>
+          </a:effectRef>
+          <a:fontRef idx="minor">
+            <a:schemeClr val="tx1"/>
+          </a:fontRef>
+        </p:style>
+      </p:cxnSp>
+      <p:cxnSp>
+        <p:nvCxnSpPr>
+          <p:cNvPr id="153" name="Gerader Verbinder 152">
+            <a:extLst>
+              <a:ext uri="{FF2B5EF4-FFF2-40B4-BE49-F238E27FC236}">
+                <a16:creationId xmlns:a16="http://schemas.microsoft.com/office/drawing/2014/main" id="{6162C251-6D0C-4B37-9AC2-9B5BC988647F}"/>
+              </a:ext>
+            </a:extLst>
+          </p:cNvPr>
+          <p:cNvCxnSpPr/>
+          <p:nvPr/>
+        </p:nvCxnSpPr>
+        <p:spPr>
+          <a:xfrm>
+            <a:off x="9438050" y="1275876"/>
+            <a:ext cx="548342" cy="0"/>
+          </a:xfrm>
+          <a:prstGeom prst="line">
+            <a:avLst/>
+          </a:prstGeom>
+        </p:spPr>
+        <p:style>
+          <a:lnRef idx="1">
+            <a:schemeClr val="accent1"/>
+          </a:lnRef>
+          <a:fillRef idx="0">
+            <a:schemeClr val="accent1"/>
+          </a:fillRef>
+          <a:effectRef idx="0">
+            <a:schemeClr val="accent1"/>
+          </a:effectRef>
+          <a:fontRef idx="minor">
+            <a:schemeClr val="tx1"/>
+          </a:fontRef>
+        </p:style>
+      </p:cxnSp>
+      <p:cxnSp>
+        <p:nvCxnSpPr>
+          <p:cNvPr id="155" name="Gerader Verbinder 154">
+            <a:extLst>
+              <a:ext uri="{FF2B5EF4-FFF2-40B4-BE49-F238E27FC236}">
+                <a16:creationId xmlns:a16="http://schemas.microsoft.com/office/drawing/2014/main" id="{8D2C748D-5308-4098-B752-ACE6D0BA5705}"/>
+              </a:ext>
+            </a:extLst>
+          </p:cNvPr>
+          <p:cNvCxnSpPr/>
+          <p:nvPr/>
+        </p:nvCxnSpPr>
+        <p:spPr>
+          <a:xfrm>
+            <a:off x="9983755" y="1296849"/>
+            <a:ext cx="0" cy="5309224"/>
+          </a:xfrm>
+          <a:prstGeom prst="line">
+            <a:avLst/>
+          </a:prstGeom>
+        </p:spPr>
+        <p:style>
+          <a:lnRef idx="1">
+            <a:schemeClr val="accent1"/>
+          </a:lnRef>
+          <a:fillRef idx="0">
+            <a:schemeClr val="accent1"/>
+          </a:fillRef>
+          <a:effectRef idx="0">
+            <a:schemeClr val="accent1"/>
+          </a:effectRef>
+          <a:fontRef idx="minor">
+            <a:schemeClr val="tx1"/>
+          </a:fontRef>
+        </p:style>
+      </p:cxnSp>
+      <p:cxnSp>
+        <p:nvCxnSpPr>
+          <p:cNvPr id="158" name="Gerader Verbinder 157">
+            <a:extLst>
+              <a:ext uri="{FF2B5EF4-FFF2-40B4-BE49-F238E27FC236}">
+                <a16:creationId xmlns:a16="http://schemas.microsoft.com/office/drawing/2014/main" id="{108D4B74-7DA3-49CB-93B8-68176E5A78C7}"/>
+              </a:ext>
+            </a:extLst>
+          </p:cNvPr>
+          <p:cNvCxnSpPr/>
+          <p:nvPr/>
+        </p:nvCxnSpPr>
+        <p:spPr>
+          <a:xfrm>
+            <a:off x="9438050" y="1069910"/>
+            <a:ext cx="411493" cy="0"/>
+          </a:xfrm>
+          <a:prstGeom prst="line">
+            <a:avLst/>
+          </a:prstGeom>
+        </p:spPr>
+        <p:style>
+          <a:lnRef idx="1">
+            <a:schemeClr val="accent1"/>
+          </a:lnRef>
+          <a:fillRef idx="0">
+            <a:schemeClr val="accent1"/>
+          </a:fillRef>
+          <a:effectRef idx="0">
+            <a:schemeClr val="accent1"/>
+          </a:effectRef>
+          <a:fontRef idx="minor">
+            <a:schemeClr val="tx1"/>
+          </a:fontRef>
+        </p:style>
+      </p:cxnSp>
+      <p:cxnSp>
+        <p:nvCxnSpPr>
+          <p:cNvPr id="160" name="Gerader Verbinder 159">
+            <a:extLst>
+              <a:ext uri="{FF2B5EF4-FFF2-40B4-BE49-F238E27FC236}">
+                <a16:creationId xmlns:a16="http://schemas.microsoft.com/office/drawing/2014/main" id="{B0592598-611F-4D77-9AD7-C05BE891D023}"/>
+              </a:ext>
+            </a:extLst>
+          </p:cNvPr>
+          <p:cNvCxnSpPr/>
+          <p:nvPr/>
+        </p:nvCxnSpPr>
+        <p:spPr>
+          <a:xfrm>
+            <a:off x="9849543" y="1117327"/>
+            <a:ext cx="0" cy="5364338"/>
+          </a:xfrm>
+          <a:prstGeom prst="line">
+            <a:avLst/>
+          </a:prstGeom>
+        </p:spPr>
+        <p:style>
+          <a:lnRef idx="1">
+            <a:schemeClr val="accent1"/>
+          </a:lnRef>
+          <a:fillRef idx="0">
+            <a:schemeClr val="accent1"/>
+          </a:fillRef>
+          <a:effectRef idx="0">
+            <a:schemeClr val="accent1"/>
+          </a:effectRef>
+          <a:fontRef idx="minor">
+            <a:schemeClr val="tx1"/>
+          </a:fontRef>
+        </p:style>
+      </p:cxnSp>
+      <p:cxnSp>
+        <p:nvCxnSpPr>
+          <p:cNvPr id="162" name="Gerader Verbinder 161">
+            <a:extLst>
+              <a:ext uri="{FF2B5EF4-FFF2-40B4-BE49-F238E27FC236}">
+                <a16:creationId xmlns:a16="http://schemas.microsoft.com/office/drawing/2014/main" id="{C2E7A667-A06F-49A7-838E-F7E53EDF45F8}"/>
+              </a:ext>
+            </a:extLst>
+          </p:cNvPr>
+          <p:cNvCxnSpPr/>
+          <p:nvPr/>
+        </p:nvCxnSpPr>
+        <p:spPr>
+          <a:xfrm flipH="1">
+            <a:off x="4952761" y="6019803"/>
+            <a:ext cx="434587" cy="0"/>
+          </a:xfrm>
+          <a:prstGeom prst="line">
+            <a:avLst/>
+          </a:prstGeom>
+        </p:spPr>
+        <p:style>
+          <a:lnRef idx="1">
+            <a:schemeClr val="accent1"/>
+          </a:lnRef>
+          <a:fillRef idx="0">
+            <a:schemeClr val="accent1"/>
+          </a:fillRef>
+          <a:effectRef idx="0">
+            <a:schemeClr val="accent1"/>
+          </a:effectRef>
+          <a:fontRef idx="minor">
+            <a:schemeClr val="tx1"/>
+          </a:fontRef>
+        </p:style>
+      </p:cxnSp>
+      <p:cxnSp>
+        <p:nvCxnSpPr>
+          <p:cNvPr id="164" name="Gerader Verbinder 163">
+            <a:extLst>
+              <a:ext uri="{FF2B5EF4-FFF2-40B4-BE49-F238E27FC236}">
+                <a16:creationId xmlns:a16="http://schemas.microsoft.com/office/drawing/2014/main" id="{F98ABDD4-2366-4898-9E91-EE8ED8061F38}"/>
+              </a:ext>
+            </a:extLst>
+          </p:cNvPr>
+          <p:cNvCxnSpPr/>
+          <p:nvPr/>
+        </p:nvCxnSpPr>
+        <p:spPr>
+          <a:xfrm>
+            <a:off x="4952761" y="6019803"/>
+            <a:ext cx="0" cy="461862"/>
+          </a:xfrm>
+          <a:prstGeom prst="line">
+            <a:avLst/>
+          </a:prstGeom>
+        </p:spPr>
+        <p:style>
+          <a:lnRef idx="1">
+            <a:schemeClr val="accent1"/>
+          </a:lnRef>
+          <a:fillRef idx="0">
+            <a:schemeClr val="accent1"/>
+          </a:fillRef>
+          <a:effectRef idx="0">
+            <a:schemeClr val="accent1"/>
+          </a:effectRef>
+          <a:fontRef idx="minor">
+            <a:schemeClr val="tx1"/>
+          </a:fontRef>
+        </p:style>
+      </p:cxnSp>
+      <p:cxnSp>
+        <p:nvCxnSpPr>
+          <p:cNvPr id="166" name="Gerader Verbinder 165">
+            <a:extLst>
+              <a:ext uri="{FF2B5EF4-FFF2-40B4-BE49-F238E27FC236}">
+                <a16:creationId xmlns:a16="http://schemas.microsoft.com/office/drawing/2014/main" id="{60597BEB-A65F-44FF-BFB8-B4411168DA08}"/>
+              </a:ext>
+            </a:extLst>
+          </p:cNvPr>
+          <p:cNvCxnSpPr/>
+          <p:nvPr/>
+        </p:nvCxnSpPr>
+        <p:spPr>
+          <a:xfrm>
+            <a:off x="5003596" y="6481665"/>
+            <a:ext cx="4845947" cy="0"/>
+          </a:xfrm>
+          <a:prstGeom prst="line">
+            <a:avLst/>
+          </a:prstGeom>
+        </p:spPr>
+        <p:style>
+          <a:lnRef idx="1">
+            <a:schemeClr val="accent1"/>
+          </a:lnRef>
+          <a:fillRef idx="0">
+            <a:schemeClr val="accent1"/>
+          </a:fillRef>
+          <a:effectRef idx="0">
+            <a:schemeClr val="accent1"/>
+          </a:effectRef>
+          <a:fontRef idx="minor">
+            <a:schemeClr val="tx1"/>
+          </a:fontRef>
+        </p:style>
+      </p:cxnSp>
+      <p:cxnSp>
+        <p:nvCxnSpPr>
+          <p:cNvPr id="168" name="Gerader Verbinder 167">
+            <a:extLst>
+              <a:ext uri="{FF2B5EF4-FFF2-40B4-BE49-F238E27FC236}">
+                <a16:creationId xmlns:a16="http://schemas.microsoft.com/office/drawing/2014/main" id="{4355B149-7764-4870-8338-455C27393C59}"/>
+              </a:ext>
+            </a:extLst>
+          </p:cNvPr>
+          <p:cNvCxnSpPr/>
+          <p:nvPr/>
+        </p:nvCxnSpPr>
+        <p:spPr>
+          <a:xfrm flipH="1">
+            <a:off x="5051303" y="4757060"/>
+            <a:ext cx="249470" cy="0"/>
+          </a:xfrm>
+          <a:prstGeom prst="line">
+            <a:avLst/>
+          </a:prstGeom>
+        </p:spPr>
+        <p:style>
+          <a:lnRef idx="1">
+            <a:schemeClr val="accent1"/>
+          </a:lnRef>
+          <a:fillRef idx="0">
+            <a:schemeClr val="accent1"/>
+          </a:fillRef>
+          <a:effectRef idx="0">
+            <a:schemeClr val="accent1"/>
+          </a:effectRef>
+          <a:fontRef idx="minor">
+            <a:schemeClr val="tx1"/>
+          </a:fontRef>
+        </p:style>
+      </p:cxnSp>
+      <p:cxnSp>
+        <p:nvCxnSpPr>
+          <p:cNvPr id="170" name="Gerader Verbinder 169">
+            <a:extLst>
+              <a:ext uri="{FF2B5EF4-FFF2-40B4-BE49-F238E27FC236}">
+                <a16:creationId xmlns:a16="http://schemas.microsoft.com/office/drawing/2014/main" id="{11028AC2-50C1-4DE2-8869-466B6C5CCCCB}"/>
+              </a:ext>
+            </a:extLst>
+          </p:cNvPr>
+          <p:cNvCxnSpPr/>
+          <p:nvPr/>
+        </p:nvCxnSpPr>
+        <p:spPr>
+          <a:xfrm flipV="1">
+            <a:off x="5032430" y="4251648"/>
+            <a:ext cx="0" cy="505412"/>
+          </a:xfrm>
+          <a:prstGeom prst="line">
+            <a:avLst/>
+          </a:prstGeom>
+        </p:spPr>
+        <p:style>
+          <a:lnRef idx="1">
+            <a:schemeClr val="accent1"/>
+          </a:lnRef>
+          <a:fillRef idx="0">
+            <a:schemeClr val="accent1"/>
+          </a:fillRef>
+          <a:effectRef idx="0">
+            <a:schemeClr val="accent1"/>
+          </a:effectRef>
+          <a:fontRef idx="minor">
+            <a:schemeClr val="tx1"/>
+          </a:fontRef>
+        </p:style>
+      </p:cxnSp>
+      <p:cxnSp>
+        <p:nvCxnSpPr>
+          <p:cNvPr id="172" name="Gerader Verbinder 171">
+            <a:extLst>
+              <a:ext uri="{FF2B5EF4-FFF2-40B4-BE49-F238E27FC236}">
+                <a16:creationId xmlns:a16="http://schemas.microsoft.com/office/drawing/2014/main" id="{3ABDD2E2-7B7A-4F14-B170-359DD7557FD7}"/>
+              </a:ext>
+            </a:extLst>
+          </p:cNvPr>
+          <p:cNvCxnSpPr/>
+          <p:nvPr/>
+        </p:nvCxnSpPr>
+        <p:spPr>
+          <a:xfrm flipH="1">
+            <a:off x="7588898" y="5330384"/>
+            <a:ext cx="445475" cy="0"/>
+          </a:xfrm>
+          <a:prstGeom prst="line">
+            <a:avLst/>
+          </a:prstGeom>
+        </p:spPr>
+        <p:style>
+          <a:lnRef idx="1">
+            <a:schemeClr val="accent1"/>
+          </a:lnRef>
+          <a:fillRef idx="0">
+            <a:schemeClr val="accent1"/>
+          </a:fillRef>
+          <a:effectRef idx="0">
+            <a:schemeClr val="accent1"/>
+          </a:effectRef>
+          <a:fontRef idx="minor">
+            <a:schemeClr val="tx1"/>
+          </a:fontRef>
+        </p:style>
+      </p:cxnSp>
+      <p:cxnSp>
+        <p:nvCxnSpPr>
+          <p:cNvPr id="174" name="Gerader Verbinder 173">
+            <a:extLst>
+              <a:ext uri="{FF2B5EF4-FFF2-40B4-BE49-F238E27FC236}">
+                <a16:creationId xmlns:a16="http://schemas.microsoft.com/office/drawing/2014/main" id="{E7C4A4AD-9308-4E06-8C6D-6C9D45D6DB9E}"/>
+              </a:ext>
+            </a:extLst>
+          </p:cNvPr>
+          <p:cNvCxnSpPr/>
+          <p:nvPr/>
+        </p:nvCxnSpPr>
+        <p:spPr>
+          <a:xfrm flipV="1">
+            <a:off x="7582678" y="4251648"/>
+            <a:ext cx="0" cy="1078736"/>
+          </a:xfrm>
+          <a:prstGeom prst="line">
+            <a:avLst/>
+          </a:prstGeom>
+        </p:spPr>
+        <p:style>
+          <a:lnRef idx="1">
+            <a:schemeClr val="accent1"/>
+          </a:lnRef>
+          <a:fillRef idx="0">
+            <a:schemeClr val="accent1"/>
+          </a:fillRef>
+          <a:effectRef idx="0">
+            <a:schemeClr val="accent1"/>
+          </a:effectRef>
+          <a:fontRef idx="minor">
+            <a:schemeClr val="tx1"/>
+          </a:fontRef>
+        </p:style>
+      </p:cxnSp>
+      <p:cxnSp>
+        <p:nvCxnSpPr>
+          <p:cNvPr id="176" name="Gerader Verbinder 175">
+            <a:extLst>
+              <a:ext uri="{FF2B5EF4-FFF2-40B4-BE49-F238E27FC236}">
+                <a16:creationId xmlns:a16="http://schemas.microsoft.com/office/drawing/2014/main" id="{DFD92678-8178-4388-89A7-5248AF193015}"/>
+              </a:ext>
+            </a:extLst>
+          </p:cNvPr>
+          <p:cNvCxnSpPr/>
+          <p:nvPr/>
+        </p:nvCxnSpPr>
+        <p:spPr>
+          <a:xfrm>
+            <a:off x="5032430" y="4251648"/>
+            <a:ext cx="2556468" cy="0"/>
+          </a:xfrm>
+          <a:prstGeom prst="line">
+            <a:avLst/>
+          </a:prstGeom>
+        </p:spPr>
+        <p:style>
+          <a:lnRef idx="1">
+            <a:schemeClr val="accent1"/>
+          </a:lnRef>
+          <a:fillRef idx="0">
+            <a:schemeClr val="accent1"/>
+          </a:fillRef>
+          <a:effectRef idx="0">
+            <a:schemeClr val="accent1"/>
+          </a:effectRef>
+          <a:fontRef idx="minor">
+            <a:schemeClr val="tx1"/>
+          </a:fontRef>
+        </p:style>
+      </p:cxnSp>
+      <p:cxnSp>
+        <p:nvCxnSpPr>
+          <p:cNvPr id="178" name="Gerader Verbinder 177">
+            <a:extLst>
+              <a:ext uri="{FF2B5EF4-FFF2-40B4-BE49-F238E27FC236}">
+                <a16:creationId xmlns:a16="http://schemas.microsoft.com/office/drawing/2014/main" id="{4EAB1A27-D106-4216-A43F-264B357A7341}"/>
+              </a:ext>
+            </a:extLst>
+          </p:cNvPr>
+          <p:cNvCxnSpPr/>
+          <p:nvPr/>
+        </p:nvCxnSpPr>
+        <p:spPr>
+          <a:xfrm flipH="1">
+            <a:off x="7426569" y="5265320"/>
+            <a:ext cx="560435" cy="0"/>
+          </a:xfrm>
+          <a:prstGeom prst="line">
+            <a:avLst/>
+          </a:prstGeom>
+        </p:spPr>
+        <p:style>
+          <a:lnRef idx="1">
+            <a:schemeClr val="accent1"/>
+          </a:lnRef>
+          <a:fillRef idx="0">
+            <a:schemeClr val="accent1"/>
+          </a:fillRef>
+          <a:effectRef idx="0">
+            <a:schemeClr val="accent1"/>
+          </a:effectRef>
+          <a:fontRef idx="minor">
+            <a:schemeClr val="tx1"/>
+          </a:fontRef>
+        </p:style>
+      </p:cxnSp>
+      <p:cxnSp>
+        <p:nvCxnSpPr>
+          <p:cNvPr id="180" name="Gerader Verbinder 179">
+            <a:extLst>
+              <a:ext uri="{FF2B5EF4-FFF2-40B4-BE49-F238E27FC236}">
+                <a16:creationId xmlns:a16="http://schemas.microsoft.com/office/drawing/2014/main" id="{D3950E89-BB57-4FF2-8D3D-6BF0B9947F1C}"/>
+              </a:ext>
+            </a:extLst>
+          </p:cNvPr>
+          <p:cNvCxnSpPr/>
+          <p:nvPr/>
+        </p:nvCxnSpPr>
+        <p:spPr>
+          <a:xfrm>
+            <a:off x="6848669" y="5741437"/>
+            <a:ext cx="577900" cy="0"/>
+          </a:xfrm>
+          <a:prstGeom prst="line">
+            <a:avLst/>
+          </a:prstGeom>
+        </p:spPr>
+        <p:style>
+          <a:lnRef idx="1">
+            <a:schemeClr val="accent1"/>
+          </a:lnRef>
+          <a:fillRef idx="0">
+            <a:schemeClr val="accent1"/>
+          </a:fillRef>
+          <a:effectRef idx="0">
+            <a:schemeClr val="accent1"/>
+          </a:effectRef>
+          <a:fontRef idx="minor">
+            <a:schemeClr val="tx1"/>
+          </a:fontRef>
+        </p:style>
+      </p:cxnSp>
+      <p:cxnSp>
+        <p:nvCxnSpPr>
+          <p:cNvPr id="182" name="Gerader Verbinder 181">
+            <a:extLst>
+              <a:ext uri="{FF2B5EF4-FFF2-40B4-BE49-F238E27FC236}">
+                <a16:creationId xmlns:a16="http://schemas.microsoft.com/office/drawing/2014/main" id="{59A03FFD-FF79-4B9B-8014-AED762A7F9E9}"/>
+              </a:ext>
+            </a:extLst>
+          </p:cNvPr>
+          <p:cNvCxnSpPr/>
+          <p:nvPr/>
+        </p:nvCxnSpPr>
+        <p:spPr>
+          <a:xfrm flipV="1">
+            <a:off x="7426569" y="5265320"/>
+            <a:ext cx="0" cy="476117"/>
+          </a:xfrm>
+          <a:prstGeom prst="line">
+            <a:avLst/>
+          </a:prstGeom>
+        </p:spPr>
+        <p:style>
+          <a:lnRef idx="1">
+            <a:schemeClr val="accent1"/>
+          </a:lnRef>
+          <a:fillRef idx="0">
+            <a:schemeClr val="accent1"/>
+          </a:fillRef>
+          <a:effectRef idx="0">
+            <a:schemeClr val="accent1"/>
+          </a:effectRef>
+          <a:fontRef idx="minor">
+            <a:schemeClr val="tx1"/>
+          </a:fontRef>
+        </p:style>
+      </p:cxnSp>
+      <p:cxnSp>
+        <p:nvCxnSpPr>
+          <p:cNvPr id="184" name="Gerader Verbinder 183">
+            <a:extLst>
+              <a:ext uri="{FF2B5EF4-FFF2-40B4-BE49-F238E27FC236}">
+                <a16:creationId xmlns:a16="http://schemas.microsoft.com/office/drawing/2014/main" id="{296FC885-452D-4969-B94B-62F7BC30BBDD}"/>
+              </a:ext>
+            </a:extLst>
+          </p:cNvPr>
+          <p:cNvCxnSpPr/>
+          <p:nvPr/>
+        </p:nvCxnSpPr>
+        <p:spPr>
+          <a:xfrm>
+            <a:off x="6898907" y="5946710"/>
+            <a:ext cx="683771" cy="0"/>
+          </a:xfrm>
+          <a:prstGeom prst="line">
+            <a:avLst/>
+          </a:prstGeom>
+        </p:spPr>
+        <p:style>
+          <a:lnRef idx="1">
+            <a:schemeClr val="accent1"/>
+          </a:lnRef>
+          <a:fillRef idx="0">
+            <a:schemeClr val="accent1"/>
+          </a:fillRef>
+          <a:effectRef idx="0">
+            <a:schemeClr val="accent1"/>
+          </a:effectRef>
+          <a:fontRef idx="minor">
+            <a:schemeClr val="tx1"/>
+          </a:fontRef>
+        </p:style>
+      </p:cxnSp>
+      <p:cxnSp>
+        <p:nvCxnSpPr>
+          <p:cNvPr id="186" name="Gerader Verbinder 185">
+            <a:extLst>
+              <a:ext uri="{FF2B5EF4-FFF2-40B4-BE49-F238E27FC236}">
+                <a16:creationId xmlns:a16="http://schemas.microsoft.com/office/drawing/2014/main" id="{BF7F9F1A-B7B3-4E21-8EAA-8749629AA0CC}"/>
+              </a:ext>
+            </a:extLst>
+          </p:cNvPr>
+          <p:cNvCxnSpPr/>
+          <p:nvPr/>
+        </p:nvCxnSpPr>
+        <p:spPr>
+          <a:xfrm flipH="1">
+            <a:off x="7582678" y="5419530"/>
+            <a:ext cx="404326" cy="0"/>
+          </a:xfrm>
+          <a:prstGeom prst="line">
+            <a:avLst/>
+          </a:prstGeom>
+        </p:spPr>
+        <p:style>
+          <a:lnRef idx="1">
+            <a:schemeClr val="accent1"/>
+          </a:lnRef>
+          <a:fillRef idx="0">
+            <a:schemeClr val="accent1"/>
+          </a:fillRef>
+          <a:effectRef idx="0">
+            <a:schemeClr val="accent1"/>
+          </a:effectRef>
+          <a:fontRef idx="minor">
+            <a:schemeClr val="tx1"/>
+          </a:fontRef>
+        </p:style>
+      </p:cxnSp>
+      <p:cxnSp>
+        <p:nvCxnSpPr>
+          <p:cNvPr id="188" name="Gerader Verbinder 187">
+            <a:extLst>
+              <a:ext uri="{FF2B5EF4-FFF2-40B4-BE49-F238E27FC236}">
+                <a16:creationId xmlns:a16="http://schemas.microsoft.com/office/drawing/2014/main" id="{777B43C7-20AC-44E7-B660-9FDF369C2D90}"/>
+              </a:ext>
+            </a:extLst>
+          </p:cNvPr>
+          <p:cNvCxnSpPr>
+            <a:cxnSpLocks/>
+          </p:cNvCxnSpPr>
+          <p:nvPr/>
+        </p:nvCxnSpPr>
+        <p:spPr>
+          <a:xfrm>
+            <a:off x="7582678" y="5419530"/>
+            <a:ext cx="0" cy="527180"/>
+          </a:xfrm>
+          <a:prstGeom prst="line">
+            <a:avLst/>
+          </a:prstGeom>
+        </p:spPr>
+        <p:style>
+          <a:lnRef idx="1">
+            <a:schemeClr val="accent1"/>
+          </a:lnRef>
+          <a:fillRef idx="0">
+            <a:schemeClr val="accent1"/>
+          </a:fillRef>
+          <a:effectRef idx="0">
+            <a:schemeClr val="accent1"/>
+          </a:effectRef>
+          <a:fontRef idx="minor">
+            <a:schemeClr val="tx1"/>
+          </a:fontRef>
+        </p:style>
+      </p:cxnSp>
+      <p:cxnSp>
+        <p:nvCxnSpPr>
+          <p:cNvPr id="190" name="Gerader Verbinder 189">
+            <a:extLst>
+              <a:ext uri="{FF2B5EF4-FFF2-40B4-BE49-F238E27FC236}">
+                <a16:creationId xmlns:a16="http://schemas.microsoft.com/office/drawing/2014/main" id="{0290010C-870B-4741-BD77-F33626143931}"/>
+              </a:ext>
+            </a:extLst>
+          </p:cNvPr>
+          <p:cNvCxnSpPr>
+            <a:cxnSpLocks/>
+          </p:cNvCxnSpPr>
+          <p:nvPr/>
+        </p:nvCxnSpPr>
+        <p:spPr>
+          <a:xfrm flipV="1">
+            <a:off x="6898907" y="6050269"/>
+            <a:ext cx="807879" cy="1176"/>
+          </a:xfrm>
+          <a:prstGeom prst="line">
+            <a:avLst/>
+          </a:prstGeom>
+        </p:spPr>
+        <p:style>
+          <a:lnRef idx="1">
+            <a:schemeClr val="accent1"/>
+          </a:lnRef>
+          <a:fillRef idx="0">
+            <a:schemeClr val="accent1"/>
+          </a:fillRef>
+          <a:effectRef idx="0">
+            <a:schemeClr val="accent1"/>
+          </a:effectRef>
+          <a:fontRef idx="minor">
+            <a:schemeClr val="tx1"/>
+          </a:fontRef>
+        </p:style>
+      </p:cxnSp>
+      <p:cxnSp>
+        <p:nvCxnSpPr>
+          <p:cNvPr id="194" name="Gerader Verbinder 193">
+            <a:extLst>
+              <a:ext uri="{FF2B5EF4-FFF2-40B4-BE49-F238E27FC236}">
+                <a16:creationId xmlns:a16="http://schemas.microsoft.com/office/drawing/2014/main" id="{1A005CD8-3E1A-4CBA-9572-0FCAF0909780}"/>
+              </a:ext>
+            </a:extLst>
+          </p:cNvPr>
+          <p:cNvCxnSpPr/>
+          <p:nvPr/>
+        </p:nvCxnSpPr>
+        <p:spPr>
+          <a:xfrm flipH="1">
+            <a:off x="7706786" y="5509918"/>
+            <a:ext cx="280218" cy="9141"/>
+          </a:xfrm>
+          <a:prstGeom prst="line">
+            <a:avLst/>
+          </a:prstGeom>
+        </p:spPr>
+        <p:style>
+          <a:lnRef idx="1">
+            <a:schemeClr val="accent1"/>
+          </a:lnRef>
+          <a:fillRef idx="0">
+            <a:schemeClr val="accent1"/>
+          </a:fillRef>
+          <a:effectRef idx="0">
+            <a:schemeClr val="accent1"/>
+          </a:effectRef>
+          <a:fontRef idx="minor">
+            <a:schemeClr val="tx1"/>
+          </a:fontRef>
+        </p:style>
+      </p:cxnSp>
+      <p:cxnSp>
+        <p:nvCxnSpPr>
+          <p:cNvPr id="196" name="Gerader Verbinder 195">
+            <a:extLst>
+              <a:ext uri="{FF2B5EF4-FFF2-40B4-BE49-F238E27FC236}">
+                <a16:creationId xmlns:a16="http://schemas.microsoft.com/office/drawing/2014/main" id="{C266EE5B-1E60-447E-AC97-196B816CD259}"/>
+              </a:ext>
+            </a:extLst>
+          </p:cNvPr>
+          <p:cNvCxnSpPr/>
+          <p:nvPr/>
+        </p:nvCxnSpPr>
+        <p:spPr>
+          <a:xfrm>
+            <a:off x="7705980" y="5531865"/>
+            <a:ext cx="0" cy="520042"/>
+          </a:xfrm>
+          <a:prstGeom prst="line">
+            <a:avLst/>
+          </a:prstGeom>
+        </p:spPr>
+        <p:style>
+          <a:lnRef idx="1">
+            <a:schemeClr val="accent1"/>
+          </a:lnRef>
+          <a:fillRef idx="0">
+            <a:schemeClr val="accent1"/>
+          </a:fillRef>
+          <a:effectRef idx="0">
+            <a:schemeClr val="accent1"/>
+          </a:effectRef>
+          <a:fontRef idx="minor">
+            <a:schemeClr val="tx1"/>
+          </a:fontRef>
+        </p:style>
+      </p:cxnSp>
+      <p:cxnSp>
+        <p:nvCxnSpPr>
+          <p:cNvPr id="199" name="Gerader Verbinder 198">
+            <a:extLst>
+              <a:ext uri="{FF2B5EF4-FFF2-40B4-BE49-F238E27FC236}">
+                <a16:creationId xmlns:a16="http://schemas.microsoft.com/office/drawing/2014/main" id="{D7EFC22D-068A-43BF-A41D-516D5E239232}"/>
+              </a:ext>
+            </a:extLst>
+          </p:cNvPr>
+          <p:cNvCxnSpPr>
+            <a:cxnSpLocks/>
+          </p:cNvCxnSpPr>
+          <p:nvPr/>
+        </p:nvCxnSpPr>
+        <p:spPr>
+          <a:xfrm flipH="1">
+            <a:off x="6288262" y="1117327"/>
+            <a:ext cx="1056510" cy="0"/>
+          </a:xfrm>
+          <a:prstGeom prst="line">
+            <a:avLst/>
+          </a:prstGeom>
+        </p:spPr>
+        <p:style>
+          <a:lnRef idx="1">
+            <a:schemeClr val="accent1"/>
+          </a:lnRef>
+          <a:fillRef idx="0">
+            <a:schemeClr val="accent1"/>
+          </a:fillRef>
+          <a:effectRef idx="0">
+            <a:schemeClr val="accent1"/>
+          </a:effectRef>
+          <a:fontRef idx="minor">
+            <a:schemeClr val="tx1"/>
+          </a:fontRef>
+        </p:style>
+      </p:cxnSp>
+      <p:cxnSp>
+        <p:nvCxnSpPr>
+          <p:cNvPr id="201" name="Gerader Verbinder 200">
+            <a:extLst>
+              <a:ext uri="{FF2B5EF4-FFF2-40B4-BE49-F238E27FC236}">
+                <a16:creationId xmlns:a16="http://schemas.microsoft.com/office/drawing/2014/main" id="{3B8F89AA-9292-4DAA-9DD2-89C266EACD7C}"/>
+              </a:ext>
+            </a:extLst>
+          </p:cNvPr>
+          <p:cNvCxnSpPr>
+            <a:cxnSpLocks/>
+          </p:cNvCxnSpPr>
+          <p:nvPr/>
+        </p:nvCxnSpPr>
+        <p:spPr>
+          <a:xfrm flipV="1">
+            <a:off x="6288262" y="641256"/>
+            <a:ext cx="0" cy="476071"/>
+          </a:xfrm>
+          <a:prstGeom prst="line">
+            <a:avLst/>
+          </a:prstGeom>
+        </p:spPr>
+        <p:style>
+          <a:lnRef idx="1">
+            <a:schemeClr val="accent1"/>
+          </a:lnRef>
+          <a:fillRef idx="0">
+            <a:schemeClr val="accent1"/>
+          </a:fillRef>
+          <a:effectRef idx="0">
+            <a:schemeClr val="accent1"/>
+          </a:effectRef>
+          <a:fontRef idx="minor">
+            <a:schemeClr val="tx1"/>
+          </a:fontRef>
+        </p:style>
+      </p:cxnSp>
+      <p:cxnSp>
+        <p:nvCxnSpPr>
+          <p:cNvPr id="203" name="Gerader Verbinder 202">
+            <a:extLst>
+              <a:ext uri="{FF2B5EF4-FFF2-40B4-BE49-F238E27FC236}">
+                <a16:creationId xmlns:a16="http://schemas.microsoft.com/office/drawing/2014/main" id="{18883D78-73F7-4B76-ADEC-805DB3EF438C}"/>
+              </a:ext>
+            </a:extLst>
+          </p:cNvPr>
+          <p:cNvCxnSpPr/>
+          <p:nvPr/>
+        </p:nvCxnSpPr>
+        <p:spPr>
+          <a:xfrm flipH="1">
+            <a:off x="1023125" y="641256"/>
+            <a:ext cx="5287539" cy="0"/>
+          </a:xfrm>
+          <a:prstGeom prst="line">
+            <a:avLst/>
+          </a:prstGeom>
+        </p:spPr>
+        <p:style>
+          <a:lnRef idx="1">
+            <a:schemeClr val="accent1"/>
+          </a:lnRef>
+          <a:fillRef idx="0">
+            <a:schemeClr val="accent1"/>
+          </a:fillRef>
+          <a:effectRef idx="0">
+            <a:schemeClr val="accent1"/>
+          </a:effectRef>
+          <a:fontRef idx="minor">
+            <a:schemeClr val="tx1"/>
+          </a:fontRef>
+        </p:style>
+      </p:cxnSp>
+      <p:cxnSp>
+        <p:nvCxnSpPr>
+          <p:cNvPr id="205" name="Gerader Verbinder 204">
+            <a:extLst>
+              <a:ext uri="{FF2B5EF4-FFF2-40B4-BE49-F238E27FC236}">
+                <a16:creationId xmlns:a16="http://schemas.microsoft.com/office/drawing/2014/main" id="{078CE009-5279-4BB2-AE26-1E342C8BEFC4}"/>
+              </a:ext>
+            </a:extLst>
+          </p:cNvPr>
+          <p:cNvCxnSpPr/>
+          <p:nvPr/>
+        </p:nvCxnSpPr>
+        <p:spPr>
+          <a:xfrm>
+            <a:off x="1023125" y="566057"/>
+            <a:ext cx="0" cy="75199"/>
+          </a:xfrm>
+          <a:prstGeom prst="line">
+            <a:avLst/>
+          </a:prstGeom>
+        </p:spPr>
+        <p:style>
+          <a:lnRef idx="1">
+            <a:schemeClr val="accent1"/>
+          </a:lnRef>
+          <a:fillRef idx="0">
+            <a:schemeClr val="accent1"/>
+          </a:fillRef>
+          <a:effectRef idx="0">
+            <a:schemeClr val="accent1"/>
+          </a:effectRef>
+          <a:fontRef idx="minor">
+            <a:schemeClr val="tx1"/>
+          </a:fontRef>
+        </p:style>
+      </p:cxnSp>
+      <p:cxnSp>
+        <p:nvCxnSpPr>
+          <p:cNvPr id="207" name="Gerader Verbinder 206">
+            <a:extLst>
+              <a:ext uri="{FF2B5EF4-FFF2-40B4-BE49-F238E27FC236}">
+                <a16:creationId xmlns:a16="http://schemas.microsoft.com/office/drawing/2014/main" id="{64CEC34B-2363-4856-A384-E90BBDC6D0D9}"/>
+              </a:ext>
+            </a:extLst>
+          </p:cNvPr>
+          <p:cNvCxnSpPr>
+            <a:cxnSpLocks/>
+          </p:cNvCxnSpPr>
+          <p:nvPr/>
+        </p:nvCxnSpPr>
+        <p:spPr>
+          <a:xfrm flipV="1">
+            <a:off x="976604" y="472752"/>
+            <a:ext cx="46521" cy="90472"/>
+          </a:xfrm>
+          <a:prstGeom prst="line">
+            <a:avLst/>
+          </a:prstGeom>
+        </p:spPr>
+        <p:style>
+          <a:lnRef idx="1">
+            <a:schemeClr val="accent1"/>
+          </a:lnRef>
+          <a:fillRef idx="0">
+            <a:schemeClr val="accent1"/>
+          </a:fillRef>
+          <a:effectRef idx="0">
+            <a:schemeClr val="accent1"/>
+          </a:effectRef>
+          <a:fontRef idx="minor">
+            <a:schemeClr val="tx1"/>
+          </a:fontRef>
+        </p:style>
+      </p:cxnSp>
+      <p:cxnSp>
+        <p:nvCxnSpPr>
+          <p:cNvPr id="210" name="Gerader Verbinder 209">
+            <a:extLst>
+              <a:ext uri="{FF2B5EF4-FFF2-40B4-BE49-F238E27FC236}">
+                <a16:creationId xmlns:a16="http://schemas.microsoft.com/office/drawing/2014/main" id="{C92473A2-B8F8-4E1C-998A-428890CAE3A6}"/>
+              </a:ext>
+            </a:extLst>
+          </p:cNvPr>
+          <p:cNvCxnSpPr/>
+          <p:nvPr/>
+        </p:nvCxnSpPr>
+        <p:spPr>
+          <a:xfrm flipH="1">
+            <a:off x="6475445" y="1592424"/>
+            <a:ext cx="846925" cy="0"/>
+          </a:xfrm>
+          <a:prstGeom prst="line">
+            <a:avLst/>
+          </a:prstGeom>
+        </p:spPr>
+        <p:style>
+          <a:lnRef idx="1">
+            <a:schemeClr val="accent1"/>
+          </a:lnRef>
+          <a:fillRef idx="0">
+            <a:schemeClr val="accent1"/>
+          </a:fillRef>
+          <a:effectRef idx="0">
+            <a:schemeClr val="accent1"/>
+          </a:effectRef>
+          <a:fontRef idx="minor">
+            <a:schemeClr val="tx1"/>
+          </a:fontRef>
+        </p:style>
+      </p:cxnSp>
+      <p:cxnSp>
+        <p:nvCxnSpPr>
+          <p:cNvPr id="212" name="Gerader Verbinder 211">
+            <a:extLst>
+              <a:ext uri="{FF2B5EF4-FFF2-40B4-BE49-F238E27FC236}">
+                <a16:creationId xmlns:a16="http://schemas.microsoft.com/office/drawing/2014/main" id="{09B38D8B-5CB0-45E0-B50E-F8B302158531}"/>
+              </a:ext>
+            </a:extLst>
+          </p:cNvPr>
+          <p:cNvCxnSpPr>
+            <a:cxnSpLocks/>
+          </p:cNvCxnSpPr>
+          <p:nvPr/>
+        </p:nvCxnSpPr>
+        <p:spPr>
+          <a:xfrm flipV="1">
+            <a:off x="6475445" y="472752"/>
+            <a:ext cx="0" cy="1119672"/>
+          </a:xfrm>
+          <a:prstGeom prst="line">
+            <a:avLst/>
+          </a:prstGeom>
+        </p:spPr>
+        <p:style>
+          <a:lnRef idx="1">
+            <a:schemeClr val="accent1"/>
+          </a:lnRef>
+          <a:fillRef idx="0">
+            <a:schemeClr val="accent1"/>
+          </a:fillRef>
+          <a:effectRef idx="0">
+            <a:schemeClr val="accent1"/>
+          </a:effectRef>
+          <a:fontRef idx="minor">
+            <a:schemeClr val="tx1"/>
+          </a:fontRef>
+        </p:style>
+      </p:cxnSp>
+      <p:cxnSp>
+        <p:nvCxnSpPr>
+          <p:cNvPr id="214" name="Gerader Verbinder 213">
+            <a:extLst>
+              <a:ext uri="{FF2B5EF4-FFF2-40B4-BE49-F238E27FC236}">
+                <a16:creationId xmlns:a16="http://schemas.microsoft.com/office/drawing/2014/main" id="{3982C2B3-95EE-428A-BC20-6EDE55A0F6E0}"/>
+              </a:ext>
+            </a:extLst>
+          </p:cNvPr>
+          <p:cNvCxnSpPr/>
+          <p:nvPr/>
+        </p:nvCxnSpPr>
+        <p:spPr>
+          <a:xfrm>
+            <a:off x="1023125" y="472752"/>
+            <a:ext cx="5452320" cy="0"/>
+          </a:xfrm>
+          <a:prstGeom prst="line">
+            <a:avLst/>
+          </a:prstGeom>
+        </p:spPr>
+        <p:style>
+          <a:lnRef idx="1">
+            <a:schemeClr val="accent1"/>
+          </a:lnRef>
+          <a:fillRef idx="0">
+            <a:schemeClr val="accent1"/>
+          </a:fillRef>
+          <a:effectRef idx="0">
+            <a:schemeClr val="accent1"/>
+          </a:effectRef>
+          <a:fontRef idx="minor">
+            <a:schemeClr val="tx1"/>
+          </a:fontRef>
+        </p:style>
+      </p:cxnSp>
+      <p:sp>
+        <p:nvSpPr>
+          <p:cNvPr id="216" name="Textfeld 215">
+            <a:extLst>
+              <a:ext uri="{FF2B5EF4-FFF2-40B4-BE49-F238E27FC236}">
+                <a16:creationId xmlns:a16="http://schemas.microsoft.com/office/drawing/2014/main" id="{48025C65-6A4A-4ED4-883B-218AB99DEF0F}"/>
+              </a:ext>
+            </a:extLst>
+          </p:cNvPr>
+          <p:cNvSpPr txBox="1"/>
+          <p:nvPr/>
+        </p:nvSpPr>
+        <p:spPr>
+          <a:xfrm>
+            <a:off x="655877" y="317933"/>
+            <a:ext cx="715260" cy="200055"/>
+          </a:xfrm>
+          <a:prstGeom prst="rect">
+            <a:avLst/>
+          </a:prstGeom>
+          <a:noFill/>
+        </p:spPr>
+        <p:txBody>
+          <a:bodyPr wrap="none" rtlCol="0">
+            <a:spAutoFit/>
+          </a:bodyPr>
+          <a:lstStyle/>
+          <a:p>
+            <a:r>
+              <a:rPr lang="en-US" sz="700" dirty="0"/>
+              <a:t>C</a:t>
+            </a:r>
+            <a:r>
+              <a:rPr lang="en-DE" sz="700" dirty="0"/>
+              <a:t>o</a:t>
+            </a:r>
+            <a:r>
+              <a:rPr lang="en-US" sz="700" dirty="0"/>
+              <a:t>n</a:t>
+            </a:r>
+            <a:r>
+              <a:rPr lang="en-DE" sz="700" dirty="0"/>
+              <a:t>n</a:t>
+            </a:r>
+            <a:r>
+              <a:rPr lang="en-US" sz="700" dirty="0"/>
+              <a:t>e</a:t>
+            </a:r>
+            <a:r>
+              <a:rPr lang="en-DE" sz="700" dirty="0"/>
+              <a:t>c</a:t>
+            </a:r>
+            <a:r>
+              <a:rPr lang="en-US" sz="700" dirty="0"/>
+              <a:t>t</a:t>
+            </a:r>
+            <a:r>
+              <a:rPr lang="en-DE" sz="700" dirty="0"/>
+              <a:t> </a:t>
+            </a:r>
+            <a:r>
+              <a:rPr lang="en-US" sz="700" dirty="0"/>
+              <a:t>s</a:t>
+            </a:r>
+            <a:r>
+              <a:rPr lang="en-DE" sz="700" dirty="0"/>
+              <a:t>e</a:t>
+            </a:r>
+            <a:r>
+              <a:rPr lang="en-US" sz="700" dirty="0"/>
+              <a:t>n</a:t>
+            </a:r>
+            <a:r>
+              <a:rPr lang="en-DE" sz="700" dirty="0"/>
+              <a:t>s</a:t>
+            </a:r>
+            <a:r>
+              <a:rPr lang="en-US" sz="700" dirty="0"/>
+              <a:t>e</a:t>
+            </a:r>
+            <a:endParaRPr lang="en-DE" sz="700" dirty="0"/>
+          </a:p>
+        </p:txBody>
+      </p:sp>
+      <p:sp>
+        <p:nvSpPr>
+          <p:cNvPr id="217" name="Rechteck 216">
+            <a:extLst>
+              <a:ext uri="{FF2B5EF4-FFF2-40B4-BE49-F238E27FC236}">
+                <a16:creationId xmlns:a16="http://schemas.microsoft.com/office/drawing/2014/main" id="{02158076-AE14-43B4-B015-775E5A4B7829}"/>
+              </a:ext>
+            </a:extLst>
+          </p:cNvPr>
+          <p:cNvSpPr/>
+          <p:nvPr/>
+        </p:nvSpPr>
+        <p:spPr>
+          <a:xfrm>
+            <a:off x="416767" y="180392"/>
+            <a:ext cx="2468516" cy="4263630"/>
+          </a:xfrm>
+          <a:prstGeom prst="rect">
+            <a:avLst/>
+          </a:prstGeom>
+          <a:solidFill>
+            <a:schemeClr val="accent1">
+              <a:alpha val="25000"/>
+            </a:schemeClr>
+          </a:solidFill>
+        </p:spPr>
+        <p:style>
+          <a:lnRef idx="2">
+            <a:schemeClr val="accent1">
+              <a:shade val="50000"/>
+            </a:schemeClr>
+          </a:lnRef>
+          <a:fillRef idx="1">
+            <a:schemeClr val="accent1"/>
+          </a:fillRef>
+          <a:effectRef idx="0">
+            <a:schemeClr val="accent1"/>
+          </a:effectRef>
+          <a:fontRef idx="minor">
+            <a:schemeClr val="lt1"/>
+          </a:fontRef>
+        </p:style>
+        <p:txBody>
+          <a:bodyPr rtlCol="0" anchor="ctr"/>
+          <a:lstStyle/>
+          <a:p>
+            <a:pPr algn="ctr"/>
+            <a:endParaRPr lang="en-DE" dirty="0"/>
+          </a:p>
+        </p:txBody>
+      </p:sp>
+      <p:sp>
+        <p:nvSpPr>
+          <p:cNvPr id="218" name="Textfeld 217">
+            <a:extLst>
+              <a:ext uri="{FF2B5EF4-FFF2-40B4-BE49-F238E27FC236}">
+                <a16:creationId xmlns:a16="http://schemas.microsoft.com/office/drawing/2014/main" id="{7E340269-2E59-4A2F-8443-B0B8F137AA08}"/>
+              </a:ext>
+            </a:extLst>
+          </p:cNvPr>
+          <p:cNvSpPr txBox="1"/>
+          <p:nvPr/>
+        </p:nvSpPr>
+        <p:spPr>
+          <a:xfrm>
+            <a:off x="397895" y="4189640"/>
+            <a:ext cx="679673" cy="276999"/>
+          </a:xfrm>
+          <a:prstGeom prst="rect">
+            <a:avLst/>
+          </a:prstGeom>
+          <a:noFill/>
+        </p:spPr>
+        <p:txBody>
+          <a:bodyPr wrap="none" rtlCol="0">
+            <a:spAutoFit/>
+          </a:bodyPr>
+          <a:lstStyle/>
+          <a:p>
+            <a:r>
+              <a:rPr lang="en-DE" sz="1200" dirty="0"/>
+              <a:t>2</a:t>
+            </a:r>
+            <a:r>
+              <a:rPr lang="en-US" sz="1200" baseline="30000" dirty="0"/>
+              <a:t>n</a:t>
+            </a:r>
+            <a:r>
+              <a:rPr lang="en-DE" sz="1200" baseline="30000" dirty="0"/>
+              <a:t>d</a:t>
+            </a:r>
+            <a:r>
+              <a:rPr lang="en-DE" sz="1200" dirty="0"/>
+              <a:t> </a:t>
+            </a:r>
+            <a:r>
+              <a:rPr lang="en-US" sz="1200" dirty="0"/>
+              <a:t>A</a:t>
+            </a:r>
+            <a:r>
+              <a:rPr lang="en-DE" sz="1200" dirty="0"/>
+              <a:t>G</a:t>
+            </a:r>
+            <a:r>
+              <a:rPr lang="en-US" sz="1200" dirty="0"/>
+              <a:t>V</a:t>
+            </a:r>
+            <a:endParaRPr lang="en-DE" sz="1200" dirty="0"/>
+          </a:p>
+        </p:txBody>
+      </p:sp>
+      <p:cxnSp>
+        <p:nvCxnSpPr>
+          <p:cNvPr id="220" name="Gerader Verbinder 219">
+            <a:extLst>
+              <a:ext uri="{FF2B5EF4-FFF2-40B4-BE49-F238E27FC236}">
+                <a16:creationId xmlns:a16="http://schemas.microsoft.com/office/drawing/2014/main" id="{175BDC16-3CAA-4A58-85A1-A3EF4B711FF8}"/>
+              </a:ext>
+            </a:extLst>
+          </p:cNvPr>
+          <p:cNvCxnSpPr>
+            <a:cxnSpLocks/>
+          </p:cNvCxnSpPr>
+          <p:nvPr/>
+        </p:nvCxnSpPr>
+        <p:spPr>
+          <a:xfrm>
+            <a:off x="9497617" y="1747935"/>
+            <a:ext cx="1297566" cy="0"/>
+          </a:xfrm>
+          <a:prstGeom prst="line">
+            <a:avLst/>
+          </a:prstGeom>
+        </p:spPr>
+        <p:style>
+          <a:lnRef idx="1">
+            <a:schemeClr val="accent1"/>
+          </a:lnRef>
+          <a:fillRef idx="0">
+            <a:schemeClr val="accent1"/>
+          </a:fillRef>
+          <a:effectRef idx="0">
+            <a:schemeClr val="accent1"/>
+          </a:effectRef>
+          <a:fontRef idx="minor">
+            <a:schemeClr val="tx1"/>
+          </a:fontRef>
+        </p:style>
+      </p:cxnSp>
+      <p:cxnSp>
+        <p:nvCxnSpPr>
+          <p:cNvPr id="222" name="Gerader Verbinder 221">
+            <a:extLst>
+              <a:ext uri="{FF2B5EF4-FFF2-40B4-BE49-F238E27FC236}">
+                <a16:creationId xmlns:a16="http://schemas.microsoft.com/office/drawing/2014/main" id="{B515D88F-5BAE-41F7-B9E7-B094FEC1FE59}"/>
+              </a:ext>
+            </a:extLst>
+          </p:cNvPr>
+          <p:cNvCxnSpPr>
+            <a:cxnSpLocks/>
+          </p:cNvCxnSpPr>
+          <p:nvPr/>
+        </p:nvCxnSpPr>
+        <p:spPr>
+          <a:xfrm>
+            <a:off x="6780636" y="5654386"/>
+            <a:ext cx="522210" cy="0"/>
+          </a:xfrm>
+          <a:prstGeom prst="line">
+            <a:avLst/>
+          </a:prstGeom>
+        </p:spPr>
+        <p:style>
+          <a:lnRef idx="1">
+            <a:schemeClr val="accent1"/>
+          </a:lnRef>
+          <a:fillRef idx="0">
+            <a:schemeClr val="accent1"/>
+          </a:fillRef>
+          <a:effectRef idx="0">
+            <a:schemeClr val="accent1"/>
+          </a:effectRef>
+          <a:fontRef idx="minor">
+            <a:schemeClr val="tx1"/>
+          </a:fontRef>
+        </p:style>
+      </p:cxnSp>
+      <p:cxnSp>
+        <p:nvCxnSpPr>
+          <p:cNvPr id="226" name="Gerader Verbinder 225">
+            <a:extLst>
+              <a:ext uri="{FF2B5EF4-FFF2-40B4-BE49-F238E27FC236}">
+                <a16:creationId xmlns:a16="http://schemas.microsoft.com/office/drawing/2014/main" id="{15A24F6B-738D-439B-AFD1-08FB7D948A56}"/>
+              </a:ext>
+            </a:extLst>
+          </p:cNvPr>
+          <p:cNvCxnSpPr/>
+          <p:nvPr/>
+        </p:nvCxnSpPr>
+        <p:spPr>
+          <a:xfrm>
+            <a:off x="9497617" y="1922106"/>
+            <a:ext cx="1297566" cy="0"/>
+          </a:xfrm>
+          <a:prstGeom prst="line">
+            <a:avLst/>
+          </a:prstGeom>
+        </p:spPr>
+        <p:style>
+          <a:lnRef idx="1">
+            <a:schemeClr val="accent1"/>
+          </a:lnRef>
+          <a:fillRef idx="0">
+            <a:schemeClr val="accent1"/>
+          </a:fillRef>
+          <a:effectRef idx="0">
+            <a:schemeClr val="accent1"/>
+          </a:effectRef>
+          <a:fontRef idx="minor">
+            <a:schemeClr val="tx1"/>
+          </a:fontRef>
+        </p:style>
+      </p:cxnSp>
+      <p:sp>
+        <p:nvSpPr>
+          <p:cNvPr id="227" name="Ellipse 226">
+            <a:extLst>
+              <a:ext uri="{FF2B5EF4-FFF2-40B4-BE49-F238E27FC236}">
+                <a16:creationId xmlns:a16="http://schemas.microsoft.com/office/drawing/2014/main" id="{817AD1E1-FF94-4A48-A1B4-30A4EE94EE49}"/>
+              </a:ext>
+            </a:extLst>
+          </p:cNvPr>
+          <p:cNvSpPr/>
+          <p:nvPr/>
+        </p:nvSpPr>
+        <p:spPr>
+          <a:xfrm>
+            <a:off x="10722820" y="1747935"/>
+            <a:ext cx="190546" cy="174160"/>
+          </a:xfrm>
+          <a:prstGeom prst="ellipse">
+            <a:avLst/>
+          </a:prstGeom>
+          <a:noFill/>
+        </p:spPr>
+        <p:style>
+          <a:lnRef idx="2">
+            <a:schemeClr val="accent1">
+              <a:shade val="50000"/>
+            </a:schemeClr>
+          </a:lnRef>
+          <a:fillRef idx="1">
+            <a:schemeClr val="accent1"/>
+          </a:fillRef>
+          <a:effectRef idx="0">
+            <a:schemeClr val="accent1"/>
+          </a:effectRef>
+          <a:fontRef idx="minor">
+            <a:schemeClr val="lt1"/>
+          </a:fontRef>
+        </p:style>
+        <p:txBody>
+          <a:bodyPr rtlCol="0" anchor="ctr"/>
+          <a:lstStyle/>
+          <a:p>
+            <a:pPr algn="ctr"/>
+            <a:endParaRPr lang="en-DE"/>
+          </a:p>
+        </p:txBody>
+      </p:sp>
+      <p:cxnSp>
+        <p:nvCxnSpPr>
+          <p:cNvPr id="229" name="Gerader Verbinder 228">
+            <a:extLst>
+              <a:ext uri="{FF2B5EF4-FFF2-40B4-BE49-F238E27FC236}">
+                <a16:creationId xmlns:a16="http://schemas.microsoft.com/office/drawing/2014/main" id="{4BB7485F-3D98-4E74-A186-7D67927E0082}"/>
+              </a:ext>
+            </a:extLst>
+          </p:cNvPr>
+          <p:cNvCxnSpPr>
+            <a:cxnSpLocks/>
+          </p:cNvCxnSpPr>
+          <p:nvPr/>
+        </p:nvCxnSpPr>
+        <p:spPr>
+          <a:xfrm flipV="1">
+            <a:off x="10772451" y="1769973"/>
+            <a:ext cx="67368" cy="148655"/>
+          </a:xfrm>
+          <a:prstGeom prst="line">
+            <a:avLst/>
+          </a:prstGeom>
+        </p:spPr>
+        <p:style>
+          <a:lnRef idx="1">
+            <a:schemeClr val="accent1"/>
+          </a:lnRef>
+          <a:fillRef idx="0">
+            <a:schemeClr val="accent1"/>
+          </a:fillRef>
+          <a:effectRef idx="0">
+            <a:schemeClr val="accent1"/>
+          </a:effectRef>
+          <a:fontRef idx="minor">
+            <a:schemeClr val="tx1"/>
+          </a:fontRef>
+        </p:style>
+      </p:cxnSp>
+      <p:cxnSp>
+        <p:nvCxnSpPr>
+          <p:cNvPr id="231" name="Gerader Verbinder 230">
+            <a:extLst>
+              <a:ext uri="{FF2B5EF4-FFF2-40B4-BE49-F238E27FC236}">
+                <a16:creationId xmlns:a16="http://schemas.microsoft.com/office/drawing/2014/main" id="{D05B4B5A-CFAF-4575-964F-A35118DF2917}"/>
+              </a:ext>
+            </a:extLst>
+          </p:cNvPr>
+          <p:cNvCxnSpPr>
+            <a:stCxn id="227" idx="1"/>
+            <a:endCxn id="227" idx="5"/>
+          </p:cNvCxnSpPr>
+          <p:nvPr/>
+        </p:nvCxnSpPr>
+        <p:spPr>
+          <a:xfrm>
+            <a:off x="10750725" y="1773440"/>
+            <a:ext cx="134736" cy="123150"/>
+          </a:xfrm>
+          <a:prstGeom prst="line">
+            <a:avLst/>
+          </a:prstGeom>
+        </p:spPr>
+        <p:style>
+          <a:lnRef idx="1">
+            <a:schemeClr val="accent1"/>
+          </a:lnRef>
+          <a:fillRef idx="0">
+            <a:schemeClr val="accent1"/>
+          </a:fillRef>
+          <a:effectRef idx="0">
+            <a:schemeClr val="accent1"/>
+          </a:effectRef>
+          <a:fontRef idx="minor">
+            <a:schemeClr val="tx1"/>
+          </a:fontRef>
+        </p:style>
+      </p:cxnSp>
+      <p:sp>
+        <p:nvSpPr>
+          <p:cNvPr id="232" name="Textfeld 231">
+            <a:extLst>
+              <a:ext uri="{FF2B5EF4-FFF2-40B4-BE49-F238E27FC236}">
+                <a16:creationId xmlns:a16="http://schemas.microsoft.com/office/drawing/2014/main" id="{01CC2AA1-8344-4358-9608-1DF952BF3798}"/>
+              </a:ext>
+            </a:extLst>
+          </p:cNvPr>
+          <p:cNvSpPr txBox="1"/>
+          <p:nvPr/>
+        </p:nvSpPr>
+        <p:spPr>
+          <a:xfrm>
+            <a:off x="10638059" y="1511819"/>
+            <a:ext cx="399468" cy="261610"/>
+          </a:xfrm>
+          <a:prstGeom prst="rect">
+            <a:avLst/>
+          </a:prstGeom>
+          <a:noFill/>
+        </p:spPr>
+        <p:txBody>
+          <a:bodyPr wrap="none" rtlCol="0">
+            <a:spAutoFit/>
+          </a:bodyPr>
+          <a:lstStyle/>
+          <a:p>
+            <a:r>
+              <a:rPr lang="en-US" sz="1100" dirty="0"/>
+              <a:t>L</a:t>
+            </a:r>
+            <a:r>
+              <a:rPr lang="en-DE" sz="1100" dirty="0"/>
+              <a:t>E</a:t>
+            </a:r>
+            <a:r>
+              <a:rPr lang="en-US" sz="1100" dirty="0"/>
+              <a:t>D</a:t>
+            </a:r>
+            <a:endParaRPr lang="en-DE" sz="1100" dirty="0"/>
+          </a:p>
+        </p:txBody>
+      </p:sp>
+      <p:cxnSp>
+        <p:nvCxnSpPr>
+          <p:cNvPr id="236" name="Gerader Verbinder 235">
+            <a:extLst>
+              <a:ext uri="{FF2B5EF4-FFF2-40B4-BE49-F238E27FC236}">
+                <a16:creationId xmlns:a16="http://schemas.microsoft.com/office/drawing/2014/main" id="{BCD5BF94-DCC5-4AB3-A03B-11AE6DFDA2CF}"/>
+              </a:ext>
+            </a:extLst>
+          </p:cNvPr>
+          <p:cNvCxnSpPr>
+            <a:cxnSpLocks/>
+          </p:cNvCxnSpPr>
+          <p:nvPr/>
+        </p:nvCxnSpPr>
+        <p:spPr>
+          <a:xfrm flipH="1">
+            <a:off x="6646881" y="1275876"/>
+            <a:ext cx="730524" cy="0"/>
+          </a:xfrm>
+          <a:prstGeom prst="line">
+            <a:avLst/>
+          </a:prstGeom>
+        </p:spPr>
+        <p:style>
+          <a:lnRef idx="1">
+            <a:schemeClr val="accent1"/>
+          </a:lnRef>
+          <a:fillRef idx="0">
+            <a:schemeClr val="accent1"/>
+          </a:fillRef>
+          <a:effectRef idx="0">
+            <a:schemeClr val="accent1"/>
+          </a:effectRef>
+          <a:fontRef idx="minor">
+            <a:schemeClr val="tx1"/>
+          </a:fontRef>
+        </p:style>
+      </p:cxnSp>
+      <p:cxnSp>
+        <p:nvCxnSpPr>
+          <p:cNvPr id="238" name="Gerader Verbinder 237">
+            <a:extLst>
+              <a:ext uri="{FF2B5EF4-FFF2-40B4-BE49-F238E27FC236}">
+                <a16:creationId xmlns:a16="http://schemas.microsoft.com/office/drawing/2014/main" id="{286F095D-4BE5-441E-9EED-7376147C4240}"/>
+              </a:ext>
+            </a:extLst>
+          </p:cNvPr>
+          <p:cNvCxnSpPr/>
+          <p:nvPr/>
+        </p:nvCxnSpPr>
+        <p:spPr>
+          <a:xfrm>
+            <a:off x="6646881" y="1275876"/>
+            <a:ext cx="0" cy="3190763"/>
+          </a:xfrm>
+          <a:prstGeom prst="line">
+            <a:avLst/>
+          </a:prstGeom>
+        </p:spPr>
+        <p:style>
+          <a:lnRef idx="1">
+            <a:schemeClr val="accent1"/>
+          </a:lnRef>
+          <a:fillRef idx="0">
+            <a:schemeClr val="accent1"/>
+          </a:fillRef>
+          <a:effectRef idx="0">
+            <a:schemeClr val="accent1"/>
+          </a:effectRef>
+          <a:fontRef idx="minor">
+            <a:schemeClr val="tx1"/>
+          </a:fontRef>
+        </p:style>
+      </p:cxnSp>
+      <p:cxnSp>
+        <p:nvCxnSpPr>
+          <p:cNvPr id="240" name="Gerader Verbinder 239">
+            <a:extLst>
+              <a:ext uri="{FF2B5EF4-FFF2-40B4-BE49-F238E27FC236}">
+                <a16:creationId xmlns:a16="http://schemas.microsoft.com/office/drawing/2014/main" id="{42E4A4A2-C8A3-40D2-9251-4940718A6A68}"/>
+              </a:ext>
+            </a:extLst>
+          </p:cNvPr>
+          <p:cNvCxnSpPr/>
+          <p:nvPr/>
+        </p:nvCxnSpPr>
+        <p:spPr>
+          <a:xfrm flipV="1">
+            <a:off x="7302846" y="4466639"/>
+            <a:ext cx="0" cy="1187747"/>
+          </a:xfrm>
+          <a:prstGeom prst="line">
+            <a:avLst/>
+          </a:prstGeom>
+        </p:spPr>
+        <p:style>
+          <a:lnRef idx="1">
+            <a:schemeClr val="accent1"/>
+          </a:lnRef>
+          <a:fillRef idx="0">
+            <a:schemeClr val="accent1"/>
+          </a:fillRef>
+          <a:effectRef idx="0">
+            <a:schemeClr val="accent1"/>
+          </a:effectRef>
+          <a:fontRef idx="minor">
+            <a:schemeClr val="tx1"/>
+          </a:fontRef>
+        </p:style>
+      </p:cxnSp>
+      <p:cxnSp>
+        <p:nvCxnSpPr>
+          <p:cNvPr id="242" name="Gerader Verbinder 241">
+            <a:extLst>
+              <a:ext uri="{FF2B5EF4-FFF2-40B4-BE49-F238E27FC236}">
+                <a16:creationId xmlns:a16="http://schemas.microsoft.com/office/drawing/2014/main" id="{0ECD940E-809E-4639-8866-E9E35A66825A}"/>
+              </a:ext>
+            </a:extLst>
+          </p:cNvPr>
+          <p:cNvCxnSpPr>
+            <a:cxnSpLocks/>
+          </p:cNvCxnSpPr>
+          <p:nvPr/>
+        </p:nvCxnSpPr>
+        <p:spPr>
+          <a:xfrm>
+            <a:off x="6646881" y="4466639"/>
+            <a:ext cx="655965" cy="0"/>
+          </a:xfrm>
+          <a:prstGeom prst="line">
+            <a:avLst/>
+          </a:prstGeom>
+        </p:spPr>
+        <p:style>
+          <a:lnRef idx="1">
+            <a:schemeClr val="accent1"/>
+          </a:lnRef>
+          <a:fillRef idx="0">
+            <a:schemeClr val="accent1"/>
+          </a:fillRef>
+          <a:effectRef idx="0">
+            <a:schemeClr val="accent1"/>
+          </a:effectRef>
+          <a:fontRef idx="minor">
+            <a:schemeClr val="tx1"/>
+          </a:fontRef>
+        </p:style>
+      </p:cxnSp>
+      <p:sp>
+        <p:nvSpPr>
+          <p:cNvPr id="245" name="Textfeld 244">
+            <a:extLst>
+              <a:ext uri="{FF2B5EF4-FFF2-40B4-BE49-F238E27FC236}">
+                <a16:creationId xmlns:a16="http://schemas.microsoft.com/office/drawing/2014/main" id="{FE7D413B-8B90-471B-8AAF-B326A4C74B74}"/>
+              </a:ext>
+            </a:extLst>
+          </p:cNvPr>
+          <p:cNvSpPr txBox="1"/>
+          <p:nvPr/>
+        </p:nvSpPr>
+        <p:spPr>
+          <a:xfrm>
+            <a:off x="6578423" y="4302033"/>
+            <a:ext cx="864339" cy="215444"/>
+          </a:xfrm>
+          <a:prstGeom prst="rect">
+            <a:avLst/>
+          </a:prstGeom>
+          <a:noFill/>
+        </p:spPr>
+        <p:txBody>
+          <a:bodyPr wrap="none" rtlCol="0">
+            <a:spAutoFit/>
+          </a:bodyPr>
+          <a:lstStyle/>
+          <a:p>
+            <a:r>
+              <a:rPr lang="en-DE" sz="800" dirty="0"/>
+              <a:t>D2 </a:t>
+            </a:r>
+            <a:r>
+              <a:rPr lang="en-US" sz="800" dirty="0"/>
+              <a:t>S</a:t>
+            </a:r>
+            <a:r>
+              <a:rPr lang="en-DE" sz="800" dirty="0" err="1"/>
+              <a:t>ense</a:t>
+            </a:r>
+            <a:r>
+              <a:rPr lang="en-DE" sz="800" dirty="0"/>
+              <a:t> reader</a:t>
+            </a:r>
+          </a:p>
+        </p:txBody>
+      </p:sp>
+      <p:cxnSp>
+        <p:nvCxnSpPr>
+          <p:cNvPr id="3" name="Gerader Verbinder 2">
+            <a:extLst>
+              <a:ext uri="{FF2B5EF4-FFF2-40B4-BE49-F238E27FC236}">
+                <a16:creationId xmlns:a16="http://schemas.microsoft.com/office/drawing/2014/main" id="{D5EC1E80-3D61-4529-8C40-308526F1852F}"/>
+              </a:ext>
+            </a:extLst>
+          </p:cNvPr>
+          <p:cNvCxnSpPr>
+            <a:cxnSpLocks/>
+          </p:cNvCxnSpPr>
+          <p:nvPr/>
+        </p:nvCxnSpPr>
+        <p:spPr>
+          <a:xfrm flipV="1">
+            <a:off x="1638886" y="293912"/>
+            <a:ext cx="9133565" cy="5360474"/>
+          </a:xfrm>
+          <a:prstGeom prst="line">
+            <a:avLst/>
+          </a:prstGeom>
+          <a:ln>
+            <a:solidFill>
+              <a:srgbClr val="FF0000"/>
+            </a:solidFill>
+          </a:ln>
+        </p:spPr>
+        <p:style>
+          <a:lnRef idx="1">
+            <a:schemeClr val="accent1"/>
+          </a:lnRef>
+          <a:fillRef idx="0">
+            <a:schemeClr val="accent1"/>
+          </a:fillRef>
+          <a:effectRef idx="0">
+            <a:schemeClr val="accent1"/>
+          </a:effectRef>
+          <a:fontRef idx="minor">
+            <a:schemeClr val="tx1"/>
+          </a:fontRef>
+        </p:style>
+      </p:cxnSp>
+      <p:cxnSp>
+        <p:nvCxnSpPr>
+          <p:cNvPr id="122" name="Gerader Verbinder 121">
+            <a:extLst>
+              <a:ext uri="{FF2B5EF4-FFF2-40B4-BE49-F238E27FC236}">
+                <a16:creationId xmlns:a16="http://schemas.microsoft.com/office/drawing/2014/main" id="{A6A89C67-7898-4C48-AABF-59035F299656}"/>
+              </a:ext>
+            </a:extLst>
+          </p:cNvPr>
+          <p:cNvCxnSpPr>
+            <a:cxnSpLocks/>
+          </p:cNvCxnSpPr>
+          <p:nvPr/>
+        </p:nvCxnSpPr>
+        <p:spPr>
+          <a:xfrm>
+            <a:off x="711861" y="111721"/>
+            <a:ext cx="10631053" cy="6165008"/>
+          </a:xfrm>
+          <a:prstGeom prst="line">
+            <a:avLst/>
+          </a:prstGeom>
+          <a:ln>
+            <a:solidFill>
+              <a:srgbClr val="FF0000"/>
+            </a:solidFill>
+          </a:ln>
+        </p:spPr>
+        <p:style>
+          <a:lnRef idx="1">
+            <a:schemeClr val="accent1"/>
+          </a:lnRef>
+          <a:fillRef idx="0">
+            <a:schemeClr val="accent1"/>
+          </a:fillRef>
+          <a:effectRef idx="0">
+            <a:schemeClr val="accent1"/>
+          </a:effectRef>
+          <a:fontRef idx="minor">
+            <a:schemeClr val="tx1"/>
+          </a:fontRef>
+        </p:style>
+      </p:cxnSp>
+    </p:spTree>
+    <p:extLst>
+      <p:ext uri="{BB962C8B-B14F-4D97-AF65-F5344CB8AC3E}">
+        <p14:creationId xmlns:p14="http://schemas.microsoft.com/office/powerpoint/2010/main" val="574049404"/>
       </p:ext>
     </p:extLst>
   </p:cSld>
